--- a/slideshow.pptx
+++ b/slideshow.pptx
@@ -3241,9 +3241,41 @@
           </a:p>
         </p:txBody>
       </p:sp>
+      <p:sp>
+        <p:nvSpPr>
+          <p:cNvPr id="2014414586" name=""/>
+          <p:cNvSpPr txBox="1"/>
+          <p:nvPr/>
+        </p:nvSpPr>
+        <p:spPr bwMode="auto">
+          <a:xfrm flipH="0" flipV="0">
+            <a:off x="198189" y="5353706"/>
+            <a:ext cx="6576164" cy="366119"/>
+          </a:xfrm>
+          <a:prstGeom prst="rect">
+            <a:avLst/>
+          </a:prstGeom>
+          <a:noFill/>
+        </p:spPr>
+        <p:txBody>
+          <a:bodyPr vertOverflow="overflow" horzOverflow="overflow" vert="horz" wrap="square" lIns="91440" tIns="45720" rIns="91440" bIns="45720" numCol="1" spcCol="0" rtlCol="0" fromWordArt="0" anchor="t" anchorCtr="0" forceAA="0" upright="0" compatLnSpc="0">
+            <a:spAutoFit/>
+          </a:bodyPr>
+          <a:p>
+            <a:pPr>
+              <a:defRPr/>
+            </a:pPr>
+            <a:r>
+              <a:rPr/>
+              <a:t>Окно регистрации</a:t>
+            </a:r>
+            <a:endParaRPr/>
+          </a:p>
+        </p:txBody>
+      </p:sp>
       <p:pic>
         <p:nvPicPr>
-          <p:cNvPr id="117237020" name=""/>
+          <p:cNvPr id="1377161087" name=""/>
           <p:cNvPicPr>
             <a:picLocks noChangeAspect="1"/>
           </p:cNvPicPr>
@@ -3254,47 +3286,15 @@
           <a:stretch/>
         </p:blipFill>
         <p:spPr bwMode="auto">
-          <a:xfrm>
-            <a:off x="-10948" y="0"/>
-            <a:ext cx="18268950" cy="5762625"/>
+          <a:xfrm flipH="0" flipV="0">
+            <a:off x="-54741" y="0"/>
+            <a:ext cx="12208448" cy="5353706"/>
           </a:xfrm>
           <a:prstGeom prst="rect">
             <a:avLst/>
           </a:prstGeom>
         </p:spPr>
       </p:pic>
-      <p:sp>
-        <p:nvSpPr>
-          <p:cNvPr id="2014414586" name=""/>
-          <p:cNvSpPr txBox="1"/>
-          <p:nvPr/>
-        </p:nvSpPr>
-        <p:spPr bwMode="auto">
-          <a:xfrm flipH="0" flipV="0">
-            <a:off x="198189" y="5353706"/>
-            <a:ext cx="6576165" cy="366119"/>
-          </a:xfrm>
-          <a:prstGeom prst="rect">
-            <a:avLst/>
-          </a:prstGeom>
-          <a:noFill/>
-        </p:spPr>
-        <p:txBody>
-          <a:bodyPr vertOverflow="overflow" horzOverflow="overflow" vert="horz" wrap="square" lIns="91440" tIns="45720" rIns="91440" bIns="45720" numCol="1" spcCol="0" rtlCol="0" fromWordArt="0" anchor="t" anchorCtr="0" forceAA="0" upright="0" compatLnSpc="0">
-            <a:spAutoFit/>
-          </a:bodyPr>
-          <a:p>
-            <a:pPr>
-              <a:defRPr/>
-            </a:pPr>
-            <a:r>
-              <a:rPr/>
-              <a:t>Окно регистрации</a:t>
-            </a:r>
-            <a:endParaRPr/>
-          </a:p>
-        </p:txBody>
-      </p:sp>
     </p:spTree>
   </p:cSld>
   <p:clrMapOvr>
@@ -3406,7 +3406,7 @@
       </p:sp>
       <p:pic>
         <p:nvPicPr>
-          <p:cNvPr id="41212162" name=""/>
+          <p:cNvPr id="456895586" name=""/>
           <p:cNvPicPr>
             <a:picLocks noChangeAspect="1"/>
           </p:cNvPicPr>
@@ -3418,8 +3418,8 @@
         </p:blipFill>
         <p:spPr bwMode="auto">
           <a:xfrm flipH="0" flipV="0">
-            <a:off x="0" y="28575"/>
-            <a:ext cx="11893923" cy="5229225"/>
+            <a:off x="198188" y="481723"/>
+            <a:ext cx="11211035" cy="4871982"/>
           </a:xfrm>
           <a:prstGeom prst="rect">
             <a:avLst/>

--- a/slideshow.pptx
+++ b/slideshow.pptx
@@ -7,6 +7,7 @@
   <p:sldIdLst>
     <p:sldId id="256" r:id="rId3"/>
     <p:sldId id="257" r:id="rId4"/>
+    <p:sldId id="258" r:id="rId5"/>
   </p:sldIdLst>
   <p:sldSz cx="12192000" cy="6858000"/>
   <p:notesSz cx="12192000" cy="6858000"/>
@@ -109,7 +110,7 @@
 </file>
 
 <file path=ppt/slideLayouts/slideLayout1.xml><?xml version="1.0" encoding="utf-8"?>
-<p:sldLayout xmlns:a="http://schemas.openxmlformats.org/drawingml/2006/main" xmlns:r="http://schemas.openxmlformats.org/officeDocument/2006/relationships" xmlns:p="http://schemas.openxmlformats.org/presentationml/2006/main" xmlns:m="http://schemas.openxmlformats.org/officeDocument/2006/math" xmlns:w="http://schemas.openxmlformats.org/wordprocessingml/2006/main" matchingName="" preserve="1" showMasterPhAnim="0" type="title" userDrawn="1">
+<p:sldLayout xmlns:a="http://schemas.openxmlformats.org/drawingml/2006/main" xmlns:r="http://schemas.openxmlformats.org/officeDocument/2006/relationships" xmlns:p="http://schemas.openxmlformats.org/presentationml/2006/main" xmlns:m="http://schemas.openxmlformats.org/officeDocument/2006/math" xmlns:w="http://schemas.openxmlformats.org/wordprocessingml/2006/main" matchingName="" preserve="1" showMasterPhAnim="0" showMasterSp="0" type="title" userDrawn="1">
   <p:cSld name="Title Slide">
     <p:spTree>
       <p:nvGrpSpPr>
@@ -127,25 +128,678 @@
       </p:grpSpPr>
       <p:sp>
         <p:nvSpPr>
-          <p:cNvPr id="2" name="Title 1"/>
-          <p:cNvSpPr>
-            <a:spLocks noGrp="1"/>
-          </p:cNvSpPr>
-          <p:nvPr>
-            <p:ph type="ctrTitle"/>
-          </p:nvPr>
+          <p:cNvPr id="13" name="Shape 1059"/>
+          <p:cNvSpPr>
+            <a:spLocks noChangeArrowheads="1" noGrp="1"/>
+          </p:cNvSpPr>
+          <p:nvPr userDrawn="1"/>
         </p:nvSpPr>
         <p:spPr bwMode="auto">
           <a:xfrm>
-            <a:off x="1524000" y="1122363"/>
-            <a:ext cx="9144000" cy="2387600"/>
+            <a:off x="2396066" y="2291401"/>
+            <a:ext cx="5452533" cy="4165116"/>
+          </a:xfrm>
+          <a:custGeom>
+            <a:avLst/>
+            <a:gdLst/>
+            <a:ahLst/>
+            <a:cxnLst/>
+            <a:rect l="l" t="t" r="r" b="b"/>
+            <a:pathLst>
+              <a:path w="43200" h="43200" fill="norm" stroke="0" extrusionOk="0">
+                <a:moveTo>
+                  <a:pt x="22112" y="3116"/>
+                </a:moveTo>
+                <a:lnTo>
+                  <a:pt x="22112" y="3116"/>
+                </a:lnTo>
+                <a:cubicBezTo>
+                  <a:pt x="22112" y="3116"/>
+                  <a:pt x="27356" y="0"/>
+                  <a:pt x="30300" y="4263"/>
+                </a:cubicBezTo>
+                <a:lnTo>
+                  <a:pt x="30300" y="4263"/>
+                </a:lnTo>
+                <a:cubicBezTo>
+                  <a:pt x="33277" y="8577"/>
+                  <a:pt x="36666" y="13779"/>
+                  <a:pt x="39369" y="17410"/>
+                </a:cubicBezTo>
+                <a:lnTo>
+                  <a:pt x="39369" y="17410"/>
+                </a:lnTo>
+                <a:cubicBezTo>
+                  <a:pt x="41761" y="20624"/>
+                  <a:pt x="43200" y="22708"/>
+                  <a:pt x="40979" y="26940"/>
+                </a:cubicBezTo>
+                <a:lnTo>
+                  <a:pt x="40979" y="26940"/>
+                </a:lnTo>
+                <a:cubicBezTo>
+                  <a:pt x="39655" y="29461"/>
+                  <a:pt x="35076" y="35072"/>
+                  <a:pt x="32639" y="38623"/>
+                </a:cubicBezTo>
+                <a:lnTo>
+                  <a:pt x="32639" y="38623"/>
+                </a:lnTo>
+                <a:cubicBezTo>
+                  <a:pt x="30200" y="42175"/>
+                  <a:pt x="26202" y="43200"/>
+                  <a:pt x="23268" y="42185"/>
+                </a:cubicBezTo>
+                <a:lnTo>
+                  <a:pt x="23268" y="42185"/>
+                </a:lnTo>
+                <a:cubicBezTo>
+                  <a:pt x="20331" y="41168"/>
+                  <a:pt x="11584" y="38623"/>
+                  <a:pt x="6213" y="36974"/>
+                </a:cubicBezTo>
+                <a:lnTo>
+                  <a:pt x="6213" y="36974"/>
+                </a:lnTo>
+                <a:cubicBezTo>
+                  <a:pt x="1431" y="35502"/>
+                  <a:pt x="0" y="32900"/>
+                  <a:pt x="214" y="31157"/>
+                </a:cubicBezTo>
+                <a:lnTo>
+                  <a:pt x="214" y="31157"/>
+                </a:lnTo>
+                <a:cubicBezTo>
+                  <a:pt x="760" y="26703"/>
+                  <a:pt x="1113" y="19920"/>
+                  <a:pt x="1214" y="16042"/>
+                </a:cubicBezTo>
+                <a:lnTo>
+                  <a:pt x="1214" y="16042"/>
+                </a:lnTo>
+                <a:cubicBezTo>
+                  <a:pt x="1303" y="12626"/>
+                  <a:pt x="4203" y="11313"/>
+                  <a:pt x="6907" y="9989"/>
+                </a:cubicBezTo>
+                <a:lnTo>
+                  <a:pt x="6907" y="9989"/>
+                </a:lnTo>
+                <a:cubicBezTo>
+                  <a:pt x="9245" y="8843"/>
+                  <a:pt x="19774" y="4261"/>
+                  <a:pt x="22112" y="3116"/>
+                </a:cubicBezTo>
+                <a:close/>
+              </a:path>
+            </a:pathLst>
+          </a:custGeom>
+          <a:solidFill>
+            <a:schemeClr val="bg1">
+              <a:lumMod val="85000"/>
+            </a:schemeClr>
+          </a:solidFill>
+          <a:ln w="9524">
+            <a:solidFill>
+              <a:srgbClr val="000000"/>
+            </a:solidFill>
+            <a:round/>
+            <a:headEnd/>
+            <a:tailEnd/>
+          </a:ln>
+        </p:spPr>
+      </p:sp>
+      <p:sp>
+        <p:nvSpPr>
+          <p:cNvPr id="14" name="Shape 1060"/>
+          <p:cNvSpPr>
+            <a:spLocks noChangeArrowheads="1" noGrp="1"/>
+          </p:cNvSpPr>
+          <p:nvPr userDrawn="1"/>
+        </p:nvSpPr>
+        <p:spPr bwMode="auto">
+          <a:xfrm>
+            <a:off x="1309514" y="1839834"/>
+            <a:ext cx="4011788" cy="1314325"/>
+          </a:xfrm>
+          <a:custGeom>
+            <a:avLst/>
+            <a:gdLst/>
+            <a:ahLst/>
+            <a:cxnLst/>
+            <a:rect l="l" t="t" r="r" b="b"/>
+            <a:pathLst>
+              <a:path w="43200" h="43200" fill="norm" stroke="0" extrusionOk="0">
+                <a:moveTo>
+                  <a:pt x="40162" y="13104"/>
+                </a:moveTo>
+                <a:lnTo>
+                  <a:pt x="40162" y="13104"/>
+                </a:lnTo>
+                <a:cubicBezTo>
+                  <a:pt x="36799" y="16736"/>
+                  <a:pt x="26204" y="28154"/>
+                  <a:pt x="22676" y="31251"/>
+                </a:cubicBezTo>
+                <a:lnTo>
+                  <a:pt x="22676" y="31251"/>
+                </a:lnTo>
+                <a:cubicBezTo>
+                  <a:pt x="18513" y="34899"/>
+                  <a:pt x="15093" y="37527"/>
+                  <a:pt x="13136" y="38511"/>
+                </a:cubicBezTo>
+                <a:lnTo>
+                  <a:pt x="13136" y="38511"/>
+                </a:lnTo>
+                <a:cubicBezTo>
+                  <a:pt x="10861" y="39650"/>
+                  <a:pt x="0" y="43200"/>
+                  <a:pt x="422" y="38511"/>
+                </a:cubicBezTo>
+                <a:lnTo>
+                  <a:pt x="422" y="38511"/>
+                </a:lnTo>
+                <a:cubicBezTo>
+                  <a:pt x="750" y="34836"/>
+                  <a:pt x="12785" y="17028"/>
+                  <a:pt x="15584" y="14358"/>
+                </a:cubicBezTo>
+                <a:lnTo>
+                  <a:pt x="15584" y="14358"/>
+                </a:lnTo>
+                <a:cubicBezTo>
+                  <a:pt x="18382" y="11693"/>
+                  <a:pt x="34508" y="0"/>
+                  <a:pt x="36286" y="2133"/>
+                </a:cubicBezTo>
+                <a:lnTo>
+                  <a:pt x="36286" y="2133"/>
+                </a:lnTo>
+                <a:cubicBezTo>
+                  <a:pt x="38064" y="4272"/>
+                  <a:pt x="43200" y="9825"/>
+                  <a:pt x="40162" y="13104"/>
+                </a:cubicBezTo>
+                <a:close/>
+              </a:path>
+            </a:pathLst>
+          </a:custGeom>
+          <a:solidFill>
+            <a:schemeClr val="bg1">
+              <a:lumMod val="85000"/>
+            </a:schemeClr>
+          </a:solidFill>
+          <a:ln w="9524">
+            <a:solidFill>
+              <a:srgbClr val="000000"/>
+            </a:solidFill>
+            <a:round/>
+            <a:headEnd/>
+            <a:tailEnd/>
+          </a:ln>
+        </p:spPr>
+      </p:sp>
+      <p:sp>
+        <p:nvSpPr>
+          <p:cNvPr id="15" name="Shape 1061"/>
+          <p:cNvSpPr>
+            <a:spLocks noChangeArrowheads="1" noGrp="1"/>
+          </p:cNvSpPr>
+          <p:nvPr userDrawn="1"/>
+        </p:nvSpPr>
+        <p:spPr bwMode="auto">
+          <a:xfrm>
+            <a:off x="6567032" y="4629133"/>
+            <a:ext cx="5395524" cy="2231707"/>
+          </a:xfrm>
+          <a:custGeom>
+            <a:avLst/>
+            <a:gdLst/>
+            <a:ahLst/>
+            <a:cxnLst/>
+            <a:rect l="l" t="t" r="r" b="b"/>
+            <a:pathLst>
+              <a:path w="43200" h="43200" fill="norm" stroke="0" extrusionOk="0">
+                <a:moveTo>
+                  <a:pt x="43200" y="43200"/>
+                </a:moveTo>
+                <a:lnTo>
+                  <a:pt x="43200" y="43200"/>
+                </a:lnTo>
+                <a:cubicBezTo>
+                  <a:pt x="42680" y="32337"/>
+                  <a:pt x="42264" y="24810"/>
+                  <a:pt x="41982" y="22533"/>
+                </a:cubicBezTo>
+                <a:lnTo>
+                  <a:pt x="41982" y="22533"/>
+                </a:lnTo>
+                <a:cubicBezTo>
+                  <a:pt x="41353" y="17445"/>
+                  <a:pt x="31020" y="10782"/>
+                  <a:pt x="25434" y="7567"/>
+                </a:cubicBezTo>
+                <a:lnTo>
+                  <a:pt x="25434" y="7567"/>
+                </a:lnTo>
+                <a:cubicBezTo>
+                  <a:pt x="20461" y="4707"/>
+                  <a:pt x="15752" y="0"/>
+                  <a:pt x="10688" y="12771"/>
+                </a:cubicBezTo>
+                <a:lnTo>
+                  <a:pt x="10688" y="12771"/>
+                </a:lnTo>
+                <a:cubicBezTo>
+                  <a:pt x="5409" y="26085"/>
+                  <a:pt x="2329" y="33891"/>
+                  <a:pt x="451" y="39632"/>
+                </a:cubicBezTo>
+                <a:lnTo>
+                  <a:pt x="451" y="39632"/>
+                </a:lnTo>
+                <a:cubicBezTo>
+                  <a:pt x="180" y="40459"/>
+                  <a:pt x="44" y="41820"/>
+                  <a:pt x="0" y="43200"/>
+                </a:cubicBezTo>
+                <a:lnTo>
+                  <a:pt x="43200" y="43200"/>
+                </a:lnTo>
+                <a:close/>
+              </a:path>
+            </a:pathLst>
+          </a:custGeom>
+          <a:solidFill>
+            <a:schemeClr val="bg1">
+              <a:lumMod val="85000"/>
+            </a:schemeClr>
+          </a:solidFill>
+          <a:ln w="9524">
+            <a:solidFill>
+              <a:srgbClr val="000000"/>
+            </a:solidFill>
+            <a:round/>
+            <a:headEnd/>
+            <a:tailEnd/>
+          </a:ln>
+        </p:spPr>
+      </p:sp>
+      <p:sp>
+        <p:nvSpPr>
+          <p:cNvPr id="16" name="Shape 1062"/>
+          <p:cNvSpPr>
+            <a:spLocks noChangeArrowheads="1" noGrp="1"/>
+          </p:cNvSpPr>
+          <p:nvPr userDrawn="1"/>
+        </p:nvSpPr>
+        <p:spPr bwMode="auto">
+          <a:xfrm>
+            <a:off x="389188" y="6100774"/>
+            <a:ext cx="4968521" cy="760000"/>
+          </a:xfrm>
+          <a:custGeom>
+            <a:avLst/>
+            <a:gdLst/>
+            <a:ahLst/>
+            <a:cxnLst/>
+            <a:rect l="l" t="t" r="r" b="b"/>
+            <a:pathLst>
+              <a:path w="43200" h="43200" fill="norm" stroke="0" extrusionOk="0">
+                <a:moveTo>
+                  <a:pt x="43200" y="43200"/>
+                </a:moveTo>
+                <a:lnTo>
+                  <a:pt x="43200" y="43200"/>
+                </a:lnTo>
+                <a:cubicBezTo>
+                  <a:pt x="37750" y="34083"/>
+                  <a:pt x="28707" y="20178"/>
+                  <a:pt x="28707" y="20178"/>
+                </a:cubicBezTo>
+                <a:lnTo>
+                  <a:pt x="28707" y="20178"/>
+                </a:lnTo>
+                <a:cubicBezTo>
+                  <a:pt x="23196" y="11772"/>
+                  <a:pt x="17935" y="0"/>
+                  <a:pt x="14588" y="1341"/>
+                </a:cubicBezTo>
+                <a:lnTo>
+                  <a:pt x="14588" y="1341"/>
+                </a:lnTo>
+                <a:cubicBezTo>
+                  <a:pt x="11240" y="2673"/>
+                  <a:pt x="6350" y="22671"/>
+                  <a:pt x="1602" y="37718"/>
+                </a:cubicBezTo>
+                <a:lnTo>
+                  <a:pt x="1602" y="37718"/>
+                </a:lnTo>
+                <a:cubicBezTo>
+                  <a:pt x="1072" y="39393"/>
+                  <a:pt x="536" y="41175"/>
+                  <a:pt x="0" y="43200"/>
+                </a:cubicBezTo>
+                <a:lnTo>
+                  <a:pt x="43200" y="43200"/>
+                </a:lnTo>
+                <a:close/>
+              </a:path>
+            </a:pathLst>
+          </a:custGeom>
+          <a:solidFill>
+            <a:schemeClr val="bg1">
+              <a:lumMod val="85000"/>
+            </a:schemeClr>
+          </a:solidFill>
+          <a:ln w="9524">
+            <a:solidFill>
+              <a:srgbClr val="000000"/>
+            </a:solidFill>
+            <a:round/>
+            <a:headEnd/>
+            <a:tailEnd/>
+          </a:ln>
+        </p:spPr>
+      </p:sp>
+      <p:sp>
+        <p:nvSpPr>
+          <p:cNvPr id="17" name="Shape 1063"/>
+          <p:cNvSpPr>
+            <a:spLocks noChangeArrowheads="1" noGrp="1"/>
+          </p:cNvSpPr>
+          <p:nvPr userDrawn="1"/>
+        </p:nvSpPr>
+        <p:spPr bwMode="auto">
+          <a:xfrm>
+            <a:off x="0" y="3254701"/>
+            <a:ext cx="2099733" cy="3343682"/>
+          </a:xfrm>
+          <a:custGeom>
+            <a:avLst/>
+            <a:gdLst/>
+            <a:ahLst/>
+            <a:cxnLst/>
+            <a:rect l="l" t="t" r="r" b="b"/>
+            <a:pathLst>
+              <a:path w="43200" h="43200" fill="norm" stroke="0" extrusionOk="0">
+                <a:moveTo>
+                  <a:pt x="0" y="43200"/>
+                </a:moveTo>
+                <a:lnTo>
+                  <a:pt x="0" y="43200"/>
+                </a:lnTo>
+                <a:cubicBezTo>
+                  <a:pt x="10450" y="39319"/>
+                  <a:pt x="26476" y="34991"/>
+                  <a:pt x="31760" y="32779"/>
+                </a:cubicBezTo>
+                <a:lnTo>
+                  <a:pt x="31760" y="32779"/>
+                </a:lnTo>
+                <a:cubicBezTo>
+                  <a:pt x="38554" y="29929"/>
+                  <a:pt x="35982" y="23868"/>
+                  <a:pt x="39587" y="11934"/>
+                </a:cubicBezTo>
+                <a:lnTo>
+                  <a:pt x="39587" y="11934"/>
+                </a:lnTo>
+                <a:cubicBezTo>
+                  <a:pt x="43199" y="0"/>
+                  <a:pt x="33409" y="2565"/>
+                  <a:pt x="25082" y="2041"/>
+                </a:cubicBezTo>
+                <a:lnTo>
+                  <a:pt x="25082" y="2041"/>
+                </a:lnTo>
+                <a:cubicBezTo>
+                  <a:pt x="14497" y="1374"/>
+                  <a:pt x="7053" y="4621"/>
+                  <a:pt x="0" y="7243"/>
+                </a:cubicBezTo>
+                <a:lnTo>
+                  <a:pt x="0" y="43200"/>
+                </a:lnTo>
+                <a:close/>
+              </a:path>
+            </a:pathLst>
+          </a:custGeom>
+          <a:solidFill>
+            <a:schemeClr val="bg1">
+              <a:lumMod val="85000"/>
+            </a:schemeClr>
+          </a:solidFill>
+          <a:ln w="9524">
+            <a:solidFill>
+              <a:srgbClr val="000000"/>
+            </a:solidFill>
+            <a:round/>
+            <a:headEnd/>
+            <a:tailEnd/>
+          </a:ln>
+        </p:spPr>
+      </p:sp>
+      <p:sp>
+        <p:nvSpPr>
+          <p:cNvPr id="3" name="Подзаголовок 2"/>
+          <p:cNvSpPr>
+            <a:spLocks noGrp="1"/>
+          </p:cNvSpPr>
+          <p:nvPr>
+            <p:ph type="subTitle" idx="1"/>
+          </p:nvPr>
+        </p:nvSpPr>
+        <p:spPr bwMode="auto">
+          <a:xfrm>
+            <a:off x="4655840" y="2708919"/>
+            <a:ext cx="6720746" cy="720080"/>
           </a:xfrm>
         </p:spPr>
         <p:txBody>
-          <a:bodyPr anchor="b"/>
+          <a:bodyPr/>
           <a:lstStyle>
-            <a:lvl1pPr algn="ctr">
-              <a:defRPr sz="6000"/>
+            <a:lvl1pPr marL="0" indent="0" algn="r">
+              <a:buNone/>
+              <a:defRPr>
+                <a:solidFill>
+                  <a:schemeClr val="tx1">
+                    <a:lumMod val="50000"/>
+                    <a:lumOff val="50000"/>
+                  </a:schemeClr>
+                </a:solidFill>
+              </a:defRPr>
+            </a:lvl1pPr>
+            <a:lvl2pPr marL="457200" indent="0" algn="ctr">
+              <a:buNone/>
+              <a:defRPr>
+                <a:solidFill>
+                  <a:schemeClr val="tx1">
+                    <a:tint val="75000"/>
+                  </a:schemeClr>
+                </a:solidFill>
+              </a:defRPr>
+            </a:lvl2pPr>
+            <a:lvl3pPr marL="914400" indent="0" algn="ctr">
+              <a:buNone/>
+              <a:defRPr>
+                <a:solidFill>
+                  <a:schemeClr val="tx1">
+                    <a:tint val="75000"/>
+                  </a:schemeClr>
+                </a:solidFill>
+              </a:defRPr>
+            </a:lvl3pPr>
+            <a:lvl4pPr marL="1371600" indent="0" algn="ctr">
+              <a:buNone/>
+              <a:defRPr>
+                <a:solidFill>
+                  <a:schemeClr val="tx1">
+                    <a:tint val="75000"/>
+                  </a:schemeClr>
+                </a:solidFill>
+              </a:defRPr>
+            </a:lvl4pPr>
+            <a:lvl5pPr marL="1828800" indent="0" algn="ctr">
+              <a:buNone/>
+              <a:defRPr>
+                <a:solidFill>
+                  <a:schemeClr val="tx1">
+                    <a:tint val="75000"/>
+                  </a:schemeClr>
+                </a:solidFill>
+              </a:defRPr>
+            </a:lvl5pPr>
+            <a:lvl6pPr marL="2286000" indent="0" algn="ctr">
+              <a:buNone/>
+              <a:defRPr>
+                <a:solidFill>
+                  <a:schemeClr val="tx1">
+                    <a:tint val="75000"/>
+                  </a:schemeClr>
+                </a:solidFill>
+              </a:defRPr>
+            </a:lvl6pPr>
+            <a:lvl7pPr marL="2743200" indent="0" algn="ctr">
+              <a:buNone/>
+              <a:defRPr>
+                <a:solidFill>
+                  <a:schemeClr val="tx1">
+                    <a:tint val="75000"/>
+                  </a:schemeClr>
+                </a:solidFill>
+              </a:defRPr>
+            </a:lvl7pPr>
+            <a:lvl8pPr marL="3200400" indent="0" algn="ctr">
+              <a:buNone/>
+              <a:defRPr>
+                <a:solidFill>
+                  <a:schemeClr val="tx1">
+                    <a:tint val="75000"/>
+                  </a:schemeClr>
+                </a:solidFill>
+              </a:defRPr>
+            </a:lvl8pPr>
+            <a:lvl9pPr marL="3657600" indent="0" algn="ctr">
+              <a:buNone/>
+              <a:defRPr>
+                <a:solidFill>
+                  <a:schemeClr val="tx1">
+                    <a:tint val="75000"/>
+                  </a:schemeClr>
+                </a:solidFill>
+              </a:defRPr>
+            </a:lvl9pPr>
+          </a:lstStyle>
+          <a:p>
+            <a:pPr>
+              <a:defRPr/>
+            </a:pPr>
+            <a:r>
+              <a:rPr lang="ru-RU"/>
+              <a:t>Образец подзаголовка</a:t>
+            </a:r>
+            <a:endParaRPr lang="ru-RU"/>
+          </a:p>
+        </p:txBody>
+      </p:sp>
+      <p:sp>
+        <p:nvSpPr>
+          <p:cNvPr id="4" name="Дата 3"/>
+          <p:cNvSpPr>
+            <a:spLocks noGrp="1"/>
+          </p:cNvSpPr>
+          <p:nvPr>
+            <p:ph type="dt" sz="half" idx="10"/>
+          </p:nvPr>
+        </p:nvSpPr>
+        <p:spPr bwMode="auto"/>
+        <p:txBody>
+          <a:bodyPr/>
+          <a:lstStyle/>
+          <a:p>
+            <a:pPr>
+              <a:defRPr/>
+            </a:pPr>
+            <a:fld id="{A69D51E0-3758-456B-809F-07B187805C7D}" type="datetimeFigureOut">
+              <a:rPr lang="ru-RU"/>
+              <a:t/>
+            </a:fld>
+            <a:endParaRPr lang="ru-RU"/>
+          </a:p>
+        </p:txBody>
+      </p:sp>
+      <p:sp>
+        <p:nvSpPr>
+          <p:cNvPr id="5" name="Нижний колонтитул 4"/>
+          <p:cNvSpPr>
+            <a:spLocks noGrp="1"/>
+          </p:cNvSpPr>
+          <p:nvPr>
+            <p:ph type="ftr" sz="quarter" idx="11"/>
+          </p:nvPr>
+        </p:nvSpPr>
+        <p:spPr bwMode="auto"/>
+        <p:txBody>
+          <a:bodyPr/>
+          <a:lstStyle/>
+          <a:p>
+            <a:pPr>
+              <a:defRPr/>
+            </a:pPr>
+            <a:endParaRPr lang="ru-RU"/>
+          </a:p>
+        </p:txBody>
+      </p:sp>
+      <p:sp>
+        <p:nvSpPr>
+          <p:cNvPr id="6" name="Номер слайда 5"/>
+          <p:cNvSpPr>
+            <a:spLocks noGrp="1"/>
+          </p:cNvSpPr>
+          <p:nvPr>
+            <p:ph type="sldNum" sz="quarter" idx="12"/>
+          </p:nvPr>
+        </p:nvSpPr>
+        <p:spPr bwMode="auto"/>
+        <p:txBody>
+          <a:bodyPr/>
+          <a:lstStyle/>
+          <a:p>
+            <a:pPr>
+              <a:defRPr/>
+            </a:pPr>
+            <a:fld id="{4D3B38E7-149F-4D77-9EEF-9309C2CB69A9}" type="slidenum">
+              <a:rPr lang="ru-RU"/>
+              <a:t/>
+            </a:fld>
+            <a:endParaRPr lang="ru-RU"/>
+          </a:p>
+        </p:txBody>
+      </p:sp>
+      <p:sp>
+        <p:nvSpPr>
+          <p:cNvPr id="7" name="Заголовок 6"/>
+          <p:cNvSpPr>
+            <a:spLocks noGrp="1"/>
+          </p:cNvSpPr>
+          <p:nvPr>
+            <p:ph type="title"/>
+          </p:nvPr>
+        </p:nvSpPr>
+        <p:spPr bwMode="auto">
+          <a:xfrm>
+            <a:off x="4595833" y="1808820"/>
+            <a:ext cx="6720746" cy="720080"/>
+          </a:xfrm>
+        </p:spPr>
+        <p:txBody>
+          <a:bodyPr/>
+          <a:lstStyle>
+            <a:lvl1pPr algn="r">
+              <a:defRPr/>
             </a:lvl1pPr>
           </a:lstStyle>
           <a:p>
@@ -153,152 +807,10 @@
               <a:defRPr/>
             </a:pPr>
             <a:r>
-              <a:rPr lang="en-US"/>
-              <a:t>Click to edit Master title style</a:t>
-            </a:r>
-            <a:endParaRPr lang="en-US"/>
-          </a:p>
-        </p:txBody>
-      </p:sp>
-      <p:sp>
-        <p:nvSpPr>
-          <p:cNvPr id="3" name="Subtitle 2"/>
-          <p:cNvSpPr>
-            <a:spLocks noGrp="1"/>
-          </p:cNvSpPr>
-          <p:nvPr>
-            <p:ph type="subTitle" idx="1"/>
-          </p:nvPr>
-        </p:nvSpPr>
-        <p:spPr bwMode="auto">
-          <a:xfrm>
-            <a:off x="1524000" y="3602038"/>
-            <a:ext cx="9144000" cy="1655762"/>
-          </a:xfrm>
-        </p:spPr>
-        <p:txBody>
-          <a:bodyPr/>
-          <a:lstStyle>
-            <a:lvl1pPr marL="0" indent="0" algn="ctr">
-              <a:buNone/>
-              <a:defRPr sz="2400"/>
-            </a:lvl1pPr>
-            <a:lvl2pPr marL="457200" indent="0" algn="ctr">
-              <a:buNone/>
-              <a:defRPr sz="2000"/>
-            </a:lvl2pPr>
-            <a:lvl3pPr marL="914400" indent="0" algn="ctr">
-              <a:buNone/>
-              <a:defRPr sz="1800"/>
-            </a:lvl3pPr>
-            <a:lvl4pPr marL="1371600" indent="0" algn="ctr">
-              <a:buNone/>
-              <a:defRPr sz="1600"/>
-            </a:lvl4pPr>
-            <a:lvl5pPr marL="1828800" indent="0" algn="ctr">
-              <a:buNone/>
-              <a:defRPr sz="1600"/>
-            </a:lvl5pPr>
-            <a:lvl6pPr marL="2286000" indent="0" algn="ctr">
-              <a:buNone/>
-              <a:defRPr sz="1600"/>
-            </a:lvl6pPr>
-            <a:lvl7pPr marL="2743200" indent="0" algn="ctr">
-              <a:buNone/>
-              <a:defRPr sz="1600"/>
-            </a:lvl7pPr>
-            <a:lvl8pPr marL="3200400" indent="0" algn="ctr">
-              <a:buNone/>
-              <a:defRPr sz="1600"/>
-            </a:lvl8pPr>
-            <a:lvl9pPr marL="3657600" indent="0" algn="ctr">
-              <a:buNone/>
-              <a:defRPr sz="1600"/>
-            </a:lvl9pPr>
-          </a:lstStyle>
-          <a:p>
-            <a:pPr>
-              <a:defRPr/>
-            </a:pPr>
-            <a:r>
-              <a:rPr lang="en-US"/>
-              <a:t>Click to edit Master subtitle style</a:t>
-            </a:r>
-            <a:endParaRPr lang="en-US"/>
-          </a:p>
-        </p:txBody>
-      </p:sp>
-      <p:sp>
-        <p:nvSpPr>
-          <p:cNvPr id="4" name="Date Placeholder 3"/>
-          <p:cNvSpPr>
-            <a:spLocks noGrp="1"/>
-          </p:cNvSpPr>
-          <p:nvPr>
-            <p:ph type="dt" sz="half" idx="10"/>
-          </p:nvPr>
-        </p:nvSpPr>
-        <p:spPr bwMode="auto"/>
-        <p:txBody>
-          <a:bodyPr/>
-          <a:lstStyle/>
-          <a:p>
-            <a:pPr>
-              <a:defRPr/>
-            </a:pPr>
-            <a:fld id="{BCC18F51-09EC-435C-A3BA-64A766E099C0}" type="datetimeFigureOut">
-              <a:rPr lang="en-US"/>
-              <a:t/>
-            </a:fld>
-            <a:endParaRPr lang="en-US"/>
-          </a:p>
-        </p:txBody>
-      </p:sp>
-      <p:sp>
-        <p:nvSpPr>
-          <p:cNvPr id="5" name="Footer Placeholder 4"/>
-          <p:cNvSpPr>
-            <a:spLocks noGrp="1"/>
-          </p:cNvSpPr>
-          <p:nvPr>
-            <p:ph type="ftr" sz="quarter" idx="11"/>
-          </p:nvPr>
-        </p:nvSpPr>
-        <p:spPr bwMode="auto"/>
-        <p:txBody>
-          <a:bodyPr/>
-          <a:lstStyle/>
-          <a:p>
-            <a:pPr>
-              <a:defRPr/>
-            </a:pPr>
-            <a:endParaRPr lang="en-US"/>
-          </a:p>
-        </p:txBody>
-      </p:sp>
-      <p:sp>
-        <p:nvSpPr>
-          <p:cNvPr id="6" name="Slide Number Placeholder 5"/>
-          <p:cNvSpPr>
-            <a:spLocks noGrp="1"/>
-          </p:cNvSpPr>
-          <p:nvPr>
-            <p:ph type="sldNum" sz="quarter" idx="12"/>
-          </p:nvPr>
-        </p:nvSpPr>
-        <p:spPr bwMode="auto"/>
-        <p:txBody>
-          <a:bodyPr/>
-          <a:lstStyle/>
-          <a:p>
-            <a:pPr>
-              <a:defRPr/>
-            </a:pPr>
-            <a:fld id="{08395586-F03A-48D1-94DF-16B239DF4FB5}" type="slidenum">
-              <a:rPr lang="en-US"/>
-              <a:t/>
-            </a:fld>
-            <a:endParaRPr lang="en-US"/>
+              <a:rPr lang="ru-RU"/>
+              <a:t>Образец заголовка</a:t>
+            </a:r>
+            <a:endParaRPr lang="ru-RU"/>
           </a:p>
         </p:txBody>
       </p:sp>
@@ -329,7 +841,7 @@
       </p:grpSpPr>
       <p:sp>
         <p:nvSpPr>
-          <p:cNvPr id="2" name="Title 1"/>
+          <p:cNvPr id="2" name="Заголовок 1"/>
           <p:cNvSpPr>
             <a:spLocks noGrp="1"/>
           </p:cNvSpPr>
@@ -346,16 +858,16 @@
               <a:defRPr/>
             </a:pPr>
             <a:r>
-              <a:rPr lang="en-US"/>
-              <a:t>Click to edit Master title style</a:t>
-            </a:r>
-            <a:endParaRPr lang="en-US"/>
-          </a:p>
-        </p:txBody>
-      </p:sp>
-      <p:sp>
-        <p:nvSpPr>
-          <p:cNvPr id="3" name="Vertical Text Placeholder 2"/>
+              <a:rPr lang="ru-RU"/>
+              <a:t>Образец заголовка</a:t>
+            </a:r>
+            <a:endParaRPr lang="ru-RU"/>
+          </a:p>
+        </p:txBody>
+      </p:sp>
+      <p:sp>
+        <p:nvSpPr>
+          <p:cNvPr id="3" name="Вертикальный текст 2"/>
           <p:cNvSpPr>
             <a:spLocks noGrp="1"/>
           </p:cNvSpPr>
@@ -372,8 +884,8 @@
               <a:defRPr/>
             </a:pPr>
             <a:r>
-              <a:rPr lang="en-US"/>
-              <a:t>Click to edit Master text styles</a:t>
+              <a:rPr lang="ru-RU"/>
+              <a:t>Образец текста</a:t>
             </a:r>
             <a:endParaRPr/>
           </a:p>
@@ -382,8 +894,8 @@
               <a:defRPr/>
             </a:pPr>
             <a:r>
-              <a:rPr lang="en-US"/>
-              <a:t>Second level</a:t>
+              <a:rPr lang="ru-RU"/>
+              <a:t>Второй уровень</a:t>
             </a:r>
             <a:endParaRPr/>
           </a:p>
@@ -392,8 +904,8 @@
               <a:defRPr/>
             </a:pPr>
             <a:r>
-              <a:rPr lang="en-US"/>
-              <a:t>Third level</a:t>
+              <a:rPr lang="ru-RU"/>
+              <a:t>Третий уровень</a:t>
             </a:r>
             <a:endParaRPr/>
           </a:p>
@@ -402,8 +914,8 @@
               <a:defRPr/>
             </a:pPr>
             <a:r>
-              <a:rPr lang="en-US"/>
-              <a:t>Fourth level</a:t>
+              <a:rPr lang="ru-RU"/>
+              <a:t>Четвертый уровень</a:t>
             </a:r>
             <a:endParaRPr/>
           </a:p>
@@ -412,16 +924,16 @@
               <a:defRPr/>
             </a:pPr>
             <a:r>
-              <a:rPr lang="en-US"/>
-              <a:t>Fifth level</a:t>
-            </a:r>
-            <a:endParaRPr lang="en-US"/>
-          </a:p>
-        </p:txBody>
-      </p:sp>
-      <p:sp>
-        <p:nvSpPr>
-          <p:cNvPr id="4" name="Date Placeholder 3"/>
+              <a:rPr lang="ru-RU"/>
+              <a:t>Пятый уровень</a:t>
+            </a:r>
+            <a:endParaRPr lang="ru-RU"/>
+          </a:p>
+        </p:txBody>
+      </p:sp>
+      <p:sp>
+        <p:nvSpPr>
+          <p:cNvPr id="4" name="Дата 3"/>
           <p:cNvSpPr>
             <a:spLocks noGrp="1"/>
           </p:cNvSpPr>
@@ -437,17 +949,17 @@
             <a:pPr>
               <a:defRPr/>
             </a:pPr>
-            <a:fld id="{BCC18F51-09EC-435C-A3BA-64A766E099C0}" type="datetimeFigureOut">
-              <a:rPr lang="en-US"/>
+            <a:fld id="{A69D51E0-3758-456B-809F-07B187805C7D}" type="datetimeFigureOut">
+              <a:rPr lang="ru-RU"/>
               <a:t/>
             </a:fld>
-            <a:endParaRPr lang="en-US"/>
-          </a:p>
-        </p:txBody>
-      </p:sp>
-      <p:sp>
-        <p:nvSpPr>
-          <p:cNvPr id="5" name="Footer Placeholder 4"/>
+            <a:endParaRPr lang="ru-RU"/>
+          </a:p>
+        </p:txBody>
+      </p:sp>
+      <p:sp>
+        <p:nvSpPr>
+          <p:cNvPr id="5" name="Нижний колонтитул 4"/>
           <p:cNvSpPr>
             <a:spLocks noGrp="1"/>
           </p:cNvSpPr>
@@ -463,13 +975,13 @@
             <a:pPr>
               <a:defRPr/>
             </a:pPr>
-            <a:endParaRPr lang="en-US"/>
-          </a:p>
-        </p:txBody>
-      </p:sp>
-      <p:sp>
-        <p:nvSpPr>
-          <p:cNvPr id="6" name="Slide Number Placeholder 5"/>
+            <a:endParaRPr lang="ru-RU"/>
+          </a:p>
+        </p:txBody>
+      </p:sp>
+      <p:sp>
+        <p:nvSpPr>
+          <p:cNvPr id="6" name="Номер слайда 5"/>
           <p:cNvSpPr>
             <a:spLocks noGrp="1"/>
           </p:cNvSpPr>
@@ -485,11 +997,11 @@
             <a:pPr>
               <a:defRPr/>
             </a:pPr>
-            <a:fld id="{08395586-F03A-48D1-94DF-16B239DF4FB5}" type="slidenum">
-              <a:rPr lang="en-US"/>
+            <a:fld id="{4D3B38E7-149F-4D77-9EEF-9309C2CB69A9}" type="slidenum">
+              <a:rPr lang="ru-RU"/>
               <a:t/>
             </a:fld>
-            <a:endParaRPr lang="en-US"/>
+            <a:endParaRPr lang="ru-RU"/>
           </a:p>
         </p:txBody>
       </p:sp>
@@ -520,7 +1032,7 @@
       </p:grpSpPr>
       <p:sp>
         <p:nvSpPr>
-          <p:cNvPr id="2" name="Vertical Title 1"/>
+          <p:cNvPr id="2" name="Вертикальный заголовок 1"/>
           <p:cNvSpPr>
             <a:spLocks noGrp="1"/>
           </p:cNvSpPr>
@@ -530,28 +1042,32 @@
         </p:nvSpPr>
         <p:spPr bwMode="auto">
           <a:xfrm>
-            <a:off x="8724900" y="365125"/>
-            <a:ext cx="2628900" cy="5811838"/>
+            <a:off x="8839200" y="274640"/>
+            <a:ext cx="2743200" cy="5851525"/>
           </a:xfrm>
         </p:spPr>
         <p:txBody>
           <a:bodyPr vert="eaVert"/>
-          <a:lstStyle/>
+          <a:lstStyle>
+            <a:lvl1pPr algn="ctr">
+              <a:defRPr/>
+            </a:lvl1pPr>
+          </a:lstStyle>
           <a:p>
             <a:pPr>
               <a:defRPr/>
             </a:pPr>
             <a:r>
-              <a:rPr lang="en-US"/>
-              <a:t>Click to edit Master title style</a:t>
-            </a:r>
-            <a:endParaRPr lang="en-US"/>
-          </a:p>
-        </p:txBody>
-      </p:sp>
-      <p:sp>
-        <p:nvSpPr>
-          <p:cNvPr id="3" name="Vertical Text Placeholder 2"/>
+              <a:rPr lang="ru-RU"/>
+              <a:t>Образец заголовка</a:t>
+            </a:r>
+            <a:endParaRPr lang="ru-RU"/>
+          </a:p>
+        </p:txBody>
+      </p:sp>
+      <p:sp>
+        <p:nvSpPr>
+          <p:cNvPr id="3" name="Вертикальный текст 2"/>
           <p:cNvSpPr>
             <a:spLocks noGrp="1"/>
           </p:cNvSpPr>
@@ -561,8 +1077,8 @@
         </p:nvSpPr>
         <p:spPr bwMode="auto">
           <a:xfrm>
-            <a:off x="838200" y="365125"/>
-            <a:ext cx="7734300" cy="5811838"/>
+            <a:off x="609600" y="274640"/>
+            <a:ext cx="8026400" cy="5851525"/>
           </a:xfrm>
         </p:spPr>
         <p:txBody>
@@ -573,8 +1089,8 @@
               <a:defRPr/>
             </a:pPr>
             <a:r>
-              <a:rPr lang="en-US"/>
-              <a:t>Click to edit Master text styles</a:t>
+              <a:rPr lang="ru-RU"/>
+              <a:t>Образец текста</a:t>
             </a:r>
             <a:endParaRPr/>
           </a:p>
@@ -583,8 +1099,8 @@
               <a:defRPr/>
             </a:pPr>
             <a:r>
-              <a:rPr lang="en-US"/>
-              <a:t>Second level</a:t>
+              <a:rPr lang="ru-RU"/>
+              <a:t>Второй уровень</a:t>
             </a:r>
             <a:endParaRPr/>
           </a:p>
@@ -593,8 +1109,8 @@
               <a:defRPr/>
             </a:pPr>
             <a:r>
-              <a:rPr lang="en-US"/>
-              <a:t>Third level</a:t>
+              <a:rPr lang="ru-RU"/>
+              <a:t>Третий уровень</a:t>
             </a:r>
             <a:endParaRPr/>
           </a:p>
@@ -603,8 +1119,8 @@
               <a:defRPr/>
             </a:pPr>
             <a:r>
-              <a:rPr lang="en-US"/>
-              <a:t>Fourth level</a:t>
+              <a:rPr lang="ru-RU"/>
+              <a:t>Четвертый уровень</a:t>
             </a:r>
             <a:endParaRPr/>
           </a:p>
@@ -613,16 +1129,16 @@
               <a:defRPr/>
             </a:pPr>
             <a:r>
-              <a:rPr lang="en-US"/>
-              <a:t>Fifth level</a:t>
-            </a:r>
-            <a:endParaRPr lang="en-US"/>
-          </a:p>
-        </p:txBody>
-      </p:sp>
-      <p:sp>
-        <p:nvSpPr>
-          <p:cNvPr id="4" name="Date Placeholder 3"/>
+              <a:rPr lang="ru-RU"/>
+              <a:t>Пятый уровень</a:t>
+            </a:r>
+            <a:endParaRPr lang="ru-RU"/>
+          </a:p>
+        </p:txBody>
+      </p:sp>
+      <p:sp>
+        <p:nvSpPr>
+          <p:cNvPr id="4" name="Дата 3"/>
           <p:cNvSpPr>
             <a:spLocks noGrp="1"/>
           </p:cNvSpPr>
@@ -638,17 +1154,17 @@
             <a:pPr>
               <a:defRPr/>
             </a:pPr>
-            <a:fld id="{BCC18F51-09EC-435C-A3BA-64A766E099C0}" type="datetimeFigureOut">
-              <a:rPr lang="en-US"/>
+            <a:fld id="{A69D51E0-3758-456B-809F-07B187805C7D}" type="datetimeFigureOut">
+              <a:rPr lang="ru-RU"/>
               <a:t/>
             </a:fld>
-            <a:endParaRPr lang="en-US"/>
-          </a:p>
-        </p:txBody>
-      </p:sp>
-      <p:sp>
-        <p:nvSpPr>
-          <p:cNvPr id="5" name="Footer Placeholder 4"/>
+            <a:endParaRPr lang="ru-RU"/>
+          </a:p>
+        </p:txBody>
+      </p:sp>
+      <p:sp>
+        <p:nvSpPr>
+          <p:cNvPr id="5" name="Нижний колонтитул 4"/>
           <p:cNvSpPr>
             <a:spLocks noGrp="1"/>
           </p:cNvSpPr>
@@ -664,13 +1180,13 @@
             <a:pPr>
               <a:defRPr/>
             </a:pPr>
-            <a:endParaRPr lang="en-US"/>
-          </a:p>
-        </p:txBody>
-      </p:sp>
-      <p:sp>
-        <p:nvSpPr>
-          <p:cNvPr id="6" name="Slide Number Placeholder 5"/>
+            <a:endParaRPr lang="ru-RU"/>
+          </a:p>
+        </p:txBody>
+      </p:sp>
+      <p:sp>
+        <p:nvSpPr>
+          <p:cNvPr id="6" name="Номер слайда 5"/>
           <p:cNvSpPr>
             <a:spLocks noGrp="1"/>
           </p:cNvSpPr>
@@ -686,11 +1202,11 @@
             <a:pPr>
               <a:defRPr/>
             </a:pPr>
-            <a:fld id="{08395586-F03A-48D1-94DF-16B239DF4FB5}" type="slidenum">
-              <a:rPr lang="en-US"/>
+            <a:fld id="{4D3B38E7-149F-4D77-9EEF-9309C2CB69A9}" type="slidenum">
+              <a:rPr lang="ru-RU"/>
               <a:t/>
             </a:fld>
-            <a:endParaRPr lang="en-US"/>
+            <a:endParaRPr lang="ru-RU"/>
           </a:p>
         </p:txBody>
       </p:sp>
@@ -721,7 +1237,7 @@
       </p:grpSpPr>
       <p:sp>
         <p:nvSpPr>
-          <p:cNvPr id="2" name="Title 1"/>
+          <p:cNvPr id="2" name="Заголовок 1"/>
           <p:cNvSpPr>
             <a:spLocks noGrp="1"/>
           </p:cNvSpPr>
@@ -738,16 +1254,16 @@
               <a:defRPr/>
             </a:pPr>
             <a:r>
-              <a:rPr lang="en-US"/>
-              <a:t>Click to edit Master title style</a:t>
-            </a:r>
-            <a:endParaRPr lang="en-US"/>
-          </a:p>
-        </p:txBody>
-      </p:sp>
-      <p:sp>
-        <p:nvSpPr>
-          <p:cNvPr id="3" name="Content Placeholder 2"/>
+              <a:rPr lang="ru-RU"/>
+              <a:t>Образец заголовка</a:t>
+            </a:r>
+            <a:endParaRPr lang="ru-RU"/>
+          </a:p>
+        </p:txBody>
+      </p:sp>
+      <p:sp>
+        <p:nvSpPr>
+          <p:cNvPr id="3" name="Объект 2"/>
           <p:cNvSpPr>
             <a:spLocks noGrp="1"/>
           </p:cNvSpPr>
@@ -764,8 +1280,8 @@
               <a:defRPr/>
             </a:pPr>
             <a:r>
-              <a:rPr lang="en-US"/>
-              <a:t>Click to edit Master text styles</a:t>
+              <a:rPr lang="ru-RU"/>
+              <a:t>Образец текста</a:t>
             </a:r>
             <a:endParaRPr/>
           </a:p>
@@ -774,8 +1290,8 @@
               <a:defRPr/>
             </a:pPr>
             <a:r>
-              <a:rPr lang="en-US"/>
-              <a:t>Second level</a:t>
+              <a:rPr lang="ru-RU"/>
+              <a:t>Второй уровень</a:t>
             </a:r>
             <a:endParaRPr/>
           </a:p>
@@ -784,8 +1300,8 @@
               <a:defRPr/>
             </a:pPr>
             <a:r>
-              <a:rPr lang="en-US"/>
-              <a:t>Third level</a:t>
+              <a:rPr lang="ru-RU"/>
+              <a:t>Третий уровень</a:t>
             </a:r>
             <a:endParaRPr/>
           </a:p>
@@ -794,8 +1310,8 @@
               <a:defRPr/>
             </a:pPr>
             <a:r>
-              <a:rPr lang="en-US"/>
-              <a:t>Fourth level</a:t>
+              <a:rPr lang="ru-RU"/>
+              <a:t>Четвертый уровень</a:t>
             </a:r>
             <a:endParaRPr/>
           </a:p>
@@ -804,16 +1320,16 @@
               <a:defRPr/>
             </a:pPr>
             <a:r>
-              <a:rPr lang="en-US"/>
-              <a:t>Fifth level</a:t>
-            </a:r>
-            <a:endParaRPr lang="en-US"/>
-          </a:p>
-        </p:txBody>
-      </p:sp>
-      <p:sp>
-        <p:nvSpPr>
-          <p:cNvPr id="4" name="Date Placeholder 3"/>
+              <a:rPr lang="ru-RU"/>
+              <a:t>Пятый уровень</a:t>
+            </a:r>
+            <a:endParaRPr lang="ru-RU"/>
+          </a:p>
+        </p:txBody>
+      </p:sp>
+      <p:sp>
+        <p:nvSpPr>
+          <p:cNvPr id="4" name="Дата 3"/>
           <p:cNvSpPr>
             <a:spLocks noGrp="1"/>
           </p:cNvSpPr>
@@ -829,17 +1345,17 @@
             <a:pPr>
               <a:defRPr/>
             </a:pPr>
-            <a:fld id="{BCC18F51-09EC-435C-A3BA-64A766E099C0}" type="datetimeFigureOut">
-              <a:rPr lang="en-US"/>
+            <a:fld id="{A69D51E0-3758-456B-809F-07B187805C7D}" type="datetimeFigureOut">
+              <a:rPr lang="ru-RU"/>
               <a:t/>
             </a:fld>
-            <a:endParaRPr lang="en-US"/>
-          </a:p>
-        </p:txBody>
-      </p:sp>
-      <p:sp>
-        <p:nvSpPr>
-          <p:cNvPr id="5" name="Footer Placeholder 4"/>
+            <a:endParaRPr lang="ru-RU"/>
+          </a:p>
+        </p:txBody>
+      </p:sp>
+      <p:sp>
+        <p:nvSpPr>
+          <p:cNvPr id="5" name="Нижний колонтитул 4"/>
           <p:cNvSpPr>
             <a:spLocks noGrp="1"/>
           </p:cNvSpPr>
@@ -855,13 +1371,13 @@
             <a:pPr>
               <a:defRPr/>
             </a:pPr>
-            <a:endParaRPr lang="en-US"/>
-          </a:p>
-        </p:txBody>
-      </p:sp>
-      <p:sp>
-        <p:nvSpPr>
-          <p:cNvPr id="6" name="Slide Number Placeholder 5"/>
+            <a:endParaRPr lang="ru-RU"/>
+          </a:p>
+        </p:txBody>
+      </p:sp>
+      <p:sp>
+        <p:nvSpPr>
+          <p:cNvPr id="6" name="Номер слайда 5"/>
           <p:cNvSpPr>
             <a:spLocks noGrp="1"/>
           </p:cNvSpPr>
@@ -877,11 +1393,11 @@
             <a:pPr>
               <a:defRPr/>
             </a:pPr>
-            <a:fld id="{08395586-F03A-48D1-94DF-16B239DF4FB5}" type="slidenum">
-              <a:rPr lang="en-US"/>
+            <a:fld id="{4D3B38E7-149F-4D77-9EEF-9309C2CB69A9}" type="slidenum">
+              <a:rPr lang="ru-RU"/>
               <a:t/>
             </a:fld>
-            <a:endParaRPr lang="en-US"/>
+            <a:endParaRPr lang="ru-RU"/>
           </a:p>
         </p:txBody>
       </p:sp>
@@ -912,7 +1428,7 @@
       </p:grpSpPr>
       <p:sp>
         <p:nvSpPr>
-          <p:cNvPr id="2" name="Title 1"/>
+          <p:cNvPr id="2" name="Заголовок 1"/>
           <p:cNvSpPr>
             <a:spLocks noGrp="1"/>
           </p:cNvSpPr>
@@ -922,51 +1438,51 @@
         </p:nvSpPr>
         <p:spPr bwMode="auto">
           <a:xfrm>
-            <a:off x="831850" y="1709738"/>
-            <a:ext cx="10515600" cy="2852737"/>
+            <a:off x="963084" y="4406901"/>
+            <a:ext cx="10363200" cy="1362074"/>
           </a:xfrm>
         </p:spPr>
         <p:txBody>
+          <a:bodyPr anchor="t"/>
+          <a:lstStyle>
+            <a:lvl1pPr algn="l">
+              <a:defRPr sz="4000" b="1" cap="all"/>
+            </a:lvl1pPr>
+          </a:lstStyle>
+          <a:p>
+            <a:pPr>
+              <a:defRPr/>
+            </a:pPr>
+            <a:r>
+              <a:rPr lang="ru-RU"/>
+              <a:t>Образец заголовка</a:t>
+            </a:r>
+            <a:endParaRPr lang="ru-RU"/>
+          </a:p>
+        </p:txBody>
+      </p:sp>
+      <p:sp>
+        <p:nvSpPr>
+          <p:cNvPr id="3" name="Текст 2"/>
+          <p:cNvSpPr>
+            <a:spLocks noGrp="1"/>
+          </p:cNvSpPr>
+          <p:nvPr>
+            <p:ph type="body" idx="1"/>
+          </p:nvPr>
+        </p:nvSpPr>
+        <p:spPr bwMode="auto">
+          <a:xfrm>
+            <a:off x="963084" y="2906713"/>
+            <a:ext cx="10363200" cy="1500186"/>
+          </a:xfrm>
+        </p:spPr>
+        <p:txBody>
           <a:bodyPr anchor="b"/>
           <a:lstStyle>
-            <a:lvl1pPr>
-              <a:defRPr sz="6000"/>
-            </a:lvl1pPr>
-          </a:lstStyle>
-          <a:p>
-            <a:pPr>
-              <a:defRPr/>
-            </a:pPr>
-            <a:r>
-              <a:rPr lang="en-US"/>
-              <a:t>Click to edit Master title style</a:t>
-            </a:r>
-            <a:endParaRPr lang="en-US"/>
-          </a:p>
-        </p:txBody>
-      </p:sp>
-      <p:sp>
-        <p:nvSpPr>
-          <p:cNvPr id="3" name="Text Placeholder 2"/>
-          <p:cNvSpPr>
-            <a:spLocks noGrp="1"/>
-          </p:cNvSpPr>
-          <p:nvPr>
-            <p:ph type="body" idx="1"/>
-          </p:nvPr>
-        </p:nvSpPr>
-        <p:spPr bwMode="auto">
-          <a:xfrm>
-            <a:off x="831850" y="4589463"/>
-            <a:ext cx="10515600" cy="1500187"/>
-          </a:xfrm>
-        </p:spPr>
-        <p:txBody>
-          <a:bodyPr/>
-          <a:lstStyle>
             <a:lvl1pPr marL="0" indent="0">
               <a:buNone/>
-              <a:defRPr sz="2400">
+              <a:defRPr sz="2000">
                 <a:solidFill>
                   <a:schemeClr val="tx1">
                     <a:tint val="75000"/>
@@ -976,7 +1492,7 @@
             </a:lvl1pPr>
             <a:lvl2pPr marL="457200" indent="0">
               <a:buNone/>
-              <a:defRPr sz="2000">
+              <a:defRPr sz="1800">
                 <a:solidFill>
                   <a:schemeClr val="tx1">
                     <a:tint val="75000"/>
@@ -986,7 +1502,7 @@
             </a:lvl2pPr>
             <a:lvl3pPr marL="914400" indent="0">
               <a:buNone/>
-              <a:defRPr sz="1800">
+              <a:defRPr sz="1600">
                 <a:solidFill>
                   <a:schemeClr val="tx1">
                     <a:tint val="75000"/>
@@ -996,7 +1512,7 @@
             </a:lvl3pPr>
             <a:lvl4pPr marL="1371600" indent="0">
               <a:buNone/>
-              <a:defRPr sz="1600">
+              <a:defRPr sz="1400">
                 <a:solidFill>
                   <a:schemeClr val="tx1">
                     <a:tint val="75000"/>
@@ -1006,7 +1522,7 @@
             </a:lvl4pPr>
             <a:lvl5pPr marL="1828800" indent="0">
               <a:buNone/>
-              <a:defRPr sz="1600">
+              <a:defRPr sz="1400">
                 <a:solidFill>
                   <a:schemeClr val="tx1">
                     <a:tint val="75000"/>
@@ -1016,7 +1532,7 @@
             </a:lvl5pPr>
             <a:lvl6pPr marL="2286000" indent="0">
               <a:buNone/>
-              <a:defRPr sz="1600">
+              <a:defRPr sz="1400">
                 <a:solidFill>
                   <a:schemeClr val="tx1">
                     <a:tint val="75000"/>
@@ -1026,7 +1542,7 @@
             </a:lvl6pPr>
             <a:lvl7pPr marL="2743200" indent="0">
               <a:buNone/>
-              <a:defRPr sz="1600">
+              <a:defRPr sz="1400">
                 <a:solidFill>
                   <a:schemeClr val="tx1">
                     <a:tint val="75000"/>
@@ -1036,7 +1552,7 @@
             </a:lvl7pPr>
             <a:lvl8pPr marL="3200400" indent="0">
               <a:buNone/>
-              <a:defRPr sz="1600">
+              <a:defRPr sz="1400">
                 <a:solidFill>
                   <a:schemeClr val="tx1">
                     <a:tint val="75000"/>
@@ -1046,7 +1562,7 @@
             </a:lvl8pPr>
             <a:lvl9pPr marL="3657600" indent="0">
               <a:buNone/>
-              <a:defRPr sz="1600">
+              <a:defRPr sz="1400">
                 <a:solidFill>
                   <a:schemeClr val="tx1">
                     <a:tint val="75000"/>
@@ -1060,8 +1576,8 @@
               <a:defRPr/>
             </a:pPr>
             <a:r>
-              <a:rPr lang="en-US"/>
-              <a:t>Click to edit Master text styles</a:t>
+              <a:rPr lang="ru-RU"/>
+              <a:t>Образец текста</a:t>
             </a:r>
             <a:endParaRPr/>
           </a:p>
@@ -1069,7 +1585,7 @@
       </p:sp>
       <p:sp>
         <p:nvSpPr>
-          <p:cNvPr id="4" name="Date Placeholder 3"/>
+          <p:cNvPr id="4" name="Дата 3"/>
           <p:cNvSpPr>
             <a:spLocks noGrp="1"/>
           </p:cNvSpPr>
@@ -1085,17 +1601,17 @@
             <a:pPr>
               <a:defRPr/>
             </a:pPr>
-            <a:fld id="{BCC18F51-09EC-435C-A3BA-64A766E099C0}" type="datetimeFigureOut">
-              <a:rPr lang="en-US"/>
+            <a:fld id="{A69D51E0-3758-456B-809F-07B187805C7D}" type="datetimeFigureOut">
+              <a:rPr lang="ru-RU"/>
               <a:t/>
             </a:fld>
-            <a:endParaRPr lang="en-US"/>
-          </a:p>
-        </p:txBody>
-      </p:sp>
-      <p:sp>
-        <p:nvSpPr>
-          <p:cNvPr id="5" name="Footer Placeholder 4"/>
+            <a:endParaRPr lang="ru-RU"/>
+          </a:p>
+        </p:txBody>
+      </p:sp>
+      <p:sp>
+        <p:nvSpPr>
+          <p:cNvPr id="5" name="Нижний колонтитул 4"/>
           <p:cNvSpPr>
             <a:spLocks noGrp="1"/>
           </p:cNvSpPr>
@@ -1111,13 +1627,13 @@
             <a:pPr>
               <a:defRPr/>
             </a:pPr>
-            <a:endParaRPr lang="en-US"/>
-          </a:p>
-        </p:txBody>
-      </p:sp>
-      <p:sp>
-        <p:nvSpPr>
-          <p:cNvPr id="6" name="Slide Number Placeholder 5"/>
+            <a:endParaRPr lang="ru-RU"/>
+          </a:p>
+        </p:txBody>
+      </p:sp>
+      <p:sp>
+        <p:nvSpPr>
+          <p:cNvPr id="6" name="Номер слайда 5"/>
           <p:cNvSpPr>
             <a:spLocks noGrp="1"/>
           </p:cNvSpPr>
@@ -1133,11 +1649,11 @@
             <a:pPr>
               <a:defRPr/>
             </a:pPr>
-            <a:fld id="{08395586-F03A-48D1-94DF-16B239DF4FB5}" type="slidenum">
-              <a:rPr lang="en-US"/>
+            <a:fld id="{4D3B38E7-149F-4D77-9EEF-9309C2CB69A9}" type="slidenum">
+              <a:rPr lang="ru-RU"/>
               <a:t/>
             </a:fld>
-            <a:endParaRPr lang="en-US"/>
+            <a:endParaRPr lang="ru-RU"/>
           </a:p>
         </p:txBody>
       </p:sp>
@@ -1168,7 +1684,7 @@
       </p:grpSpPr>
       <p:sp>
         <p:nvSpPr>
-          <p:cNvPr id="2" name="Title 1"/>
+          <p:cNvPr id="2" name="Заголовок 1"/>
           <p:cNvSpPr>
             <a:spLocks noGrp="1"/>
           </p:cNvSpPr>
@@ -1185,16 +1701,16 @@
               <a:defRPr/>
             </a:pPr>
             <a:r>
-              <a:rPr lang="en-US"/>
-              <a:t>Click to edit Master title style</a:t>
-            </a:r>
-            <a:endParaRPr lang="en-US"/>
-          </a:p>
-        </p:txBody>
-      </p:sp>
-      <p:sp>
-        <p:nvSpPr>
-          <p:cNvPr id="3" name="Content Placeholder 2"/>
+              <a:rPr lang="ru-RU"/>
+              <a:t>Образец заголовка</a:t>
+            </a:r>
+            <a:endParaRPr lang="ru-RU"/>
+          </a:p>
+        </p:txBody>
+      </p:sp>
+      <p:sp>
+        <p:nvSpPr>
+          <p:cNvPr id="3" name="Объект 2"/>
           <p:cNvSpPr>
             <a:spLocks noGrp="1"/>
           </p:cNvSpPr>
@@ -1204,20 +1720,48 @@
         </p:nvSpPr>
         <p:spPr bwMode="auto">
           <a:xfrm>
-            <a:off x="838200" y="1825625"/>
-            <a:ext cx="5181600" cy="4351338"/>
+            <a:off x="609600" y="1600201"/>
+            <a:ext cx="5384800" cy="4525962"/>
           </a:xfrm>
         </p:spPr>
         <p:txBody>
           <a:bodyPr/>
-          <a:lstStyle/>
+          <a:lstStyle>
+            <a:lvl1pPr>
+              <a:defRPr sz="2800"/>
+            </a:lvl1pPr>
+            <a:lvl2pPr>
+              <a:defRPr sz="2400"/>
+            </a:lvl2pPr>
+            <a:lvl3pPr>
+              <a:defRPr sz="2000"/>
+            </a:lvl3pPr>
+            <a:lvl4pPr>
+              <a:defRPr sz="1800"/>
+            </a:lvl4pPr>
+            <a:lvl5pPr>
+              <a:defRPr sz="1800"/>
+            </a:lvl5pPr>
+            <a:lvl6pPr>
+              <a:defRPr sz="1800"/>
+            </a:lvl6pPr>
+            <a:lvl7pPr>
+              <a:defRPr sz="1800"/>
+            </a:lvl7pPr>
+            <a:lvl8pPr>
+              <a:defRPr sz="1800"/>
+            </a:lvl8pPr>
+            <a:lvl9pPr>
+              <a:defRPr sz="1800"/>
+            </a:lvl9pPr>
+          </a:lstStyle>
           <a:p>
             <a:pPr lvl="0">
               <a:defRPr/>
             </a:pPr>
             <a:r>
-              <a:rPr lang="en-US"/>
-              <a:t>Click to edit Master text styles</a:t>
+              <a:rPr lang="ru-RU"/>
+              <a:t>Образец текста</a:t>
             </a:r>
             <a:endParaRPr/>
           </a:p>
@@ -1226,8 +1770,8 @@
               <a:defRPr/>
             </a:pPr>
             <a:r>
-              <a:rPr lang="en-US"/>
-              <a:t>Second level</a:t>
+              <a:rPr lang="ru-RU"/>
+              <a:t>Второй уровень</a:t>
             </a:r>
             <a:endParaRPr/>
           </a:p>
@@ -1236,8 +1780,8 @@
               <a:defRPr/>
             </a:pPr>
             <a:r>
-              <a:rPr lang="en-US"/>
-              <a:t>Third level</a:t>
+              <a:rPr lang="ru-RU"/>
+              <a:t>Третий уровень</a:t>
             </a:r>
             <a:endParaRPr/>
           </a:p>
@@ -1246,8 +1790,8 @@
               <a:defRPr/>
             </a:pPr>
             <a:r>
-              <a:rPr lang="en-US"/>
-              <a:t>Fourth level</a:t>
+              <a:rPr lang="ru-RU"/>
+              <a:t>Четвертый уровень</a:t>
             </a:r>
             <a:endParaRPr/>
           </a:p>
@@ -1256,16 +1800,16 @@
               <a:defRPr/>
             </a:pPr>
             <a:r>
-              <a:rPr lang="en-US"/>
-              <a:t>Fifth level</a:t>
-            </a:r>
-            <a:endParaRPr lang="en-US"/>
-          </a:p>
-        </p:txBody>
-      </p:sp>
-      <p:sp>
-        <p:nvSpPr>
-          <p:cNvPr id="4" name="Content Placeholder 3"/>
+              <a:rPr lang="ru-RU"/>
+              <a:t>Пятый уровень</a:t>
+            </a:r>
+            <a:endParaRPr lang="ru-RU"/>
+          </a:p>
+        </p:txBody>
+      </p:sp>
+      <p:sp>
+        <p:nvSpPr>
+          <p:cNvPr id="4" name="Объект 3"/>
           <p:cNvSpPr>
             <a:spLocks noGrp="1"/>
           </p:cNvSpPr>
@@ -1275,20 +1819,48 @@
         </p:nvSpPr>
         <p:spPr bwMode="auto">
           <a:xfrm>
-            <a:off x="6172200" y="1825625"/>
-            <a:ext cx="5181600" cy="4351338"/>
+            <a:off x="6197600" y="1600201"/>
+            <a:ext cx="5384800" cy="4525962"/>
           </a:xfrm>
         </p:spPr>
         <p:txBody>
           <a:bodyPr/>
-          <a:lstStyle/>
+          <a:lstStyle>
+            <a:lvl1pPr>
+              <a:defRPr sz="2800"/>
+            </a:lvl1pPr>
+            <a:lvl2pPr>
+              <a:defRPr sz="2400"/>
+            </a:lvl2pPr>
+            <a:lvl3pPr>
+              <a:defRPr sz="2000"/>
+            </a:lvl3pPr>
+            <a:lvl4pPr>
+              <a:defRPr sz="1800"/>
+            </a:lvl4pPr>
+            <a:lvl5pPr>
+              <a:defRPr sz="1800"/>
+            </a:lvl5pPr>
+            <a:lvl6pPr>
+              <a:defRPr sz="1800"/>
+            </a:lvl6pPr>
+            <a:lvl7pPr>
+              <a:defRPr sz="1800"/>
+            </a:lvl7pPr>
+            <a:lvl8pPr>
+              <a:defRPr sz="1800"/>
+            </a:lvl8pPr>
+            <a:lvl9pPr>
+              <a:defRPr sz="1800"/>
+            </a:lvl9pPr>
+          </a:lstStyle>
           <a:p>
             <a:pPr lvl="0">
               <a:defRPr/>
             </a:pPr>
             <a:r>
-              <a:rPr lang="en-US"/>
-              <a:t>Click to edit Master text styles</a:t>
+              <a:rPr lang="ru-RU"/>
+              <a:t>Образец текста</a:t>
             </a:r>
             <a:endParaRPr/>
           </a:p>
@@ -1297,8 +1869,8 @@
               <a:defRPr/>
             </a:pPr>
             <a:r>
-              <a:rPr lang="en-US"/>
-              <a:t>Second level</a:t>
+              <a:rPr lang="ru-RU"/>
+              <a:t>Второй уровень</a:t>
             </a:r>
             <a:endParaRPr/>
           </a:p>
@@ -1307,8 +1879,8 @@
               <a:defRPr/>
             </a:pPr>
             <a:r>
-              <a:rPr lang="en-US"/>
-              <a:t>Third level</a:t>
+              <a:rPr lang="ru-RU"/>
+              <a:t>Третий уровень</a:t>
             </a:r>
             <a:endParaRPr/>
           </a:p>
@@ -1317,8 +1889,8 @@
               <a:defRPr/>
             </a:pPr>
             <a:r>
-              <a:rPr lang="en-US"/>
-              <a:t>Fourth level</a:t>
+              <a:rPr lang="ru-RU"/>
+              <a:t>Четвертый уровень</a:t>
             </a:r>
             <a:endParaRPr/>
           </a:p>
@@ -1327,16 +1899,16 @@
               <a:defRPr/>
             </a:pPr>
             <a:r>
-              <a:rPr lang="en-US"/>
-              <a:t>Fifth level</a:t>
-            </a:r>
-            <a:endParaRPr lang="en-US"/>
-          </a:p>
-        </p:txBody>
-      </p:sp>
-      <p:sp>
-        <p:nvSpPr>
-          <p:cNvPr id="5" name="Date Placeholder 4"/>
+              <a:rPr lang="ru-RU"/>
+              <a:t>Пятый уровень</a:t>
+            </a:r>
+            <a:endParaRPr lang="ru-RU"/>
+          </a:p>
+        </p:txBody>
+      </p:sp>
+      <p:sp>
+        <p:nvSpPr>
+          <p:cNvPr id="5" name="Дата 4"/>
           <p:cNvSpPr>
             <a:spLocks noGrp="1"/>
           </p:cNvSpPr>
@@ -1352,17 +1924,17 @@
             <a:pPr>
               <a:defRPr/>
             </a:pPr>
-            <a:fld id="{BCC18F51-09EC-435C-A3BA-64A766E099C0}" type="datetimeFigureOut">
-              <a:rPr lang="en-US"/>
+            <a:fld id="{A69D51E0-3758-456B-809F-07B187805C7D}" type="datetimeFigureOut">
+              <a:rPr lang="ru-RU"/>
               <a:t/>
             </a:fld>
-            <a:endParaRPr lang="en-US"/>
-          </a:p>
-        </p:txBody>
-      </p:sp>
-      <p:sp>
-        <p:nvSpPr>
-          <p:cNvPr id="6" name="Footer Placeholder 5"/>
+            <a:endParaRPr lang="ru-RU"/>
+          </a:p>
+        </p:txBody>
+      </p:sp>
+      <p:sp>
+        <p:nvSpPr>
+          <p:cNvPr id="6" name="Нижний колонтитул 5"/>
           <p:cNvSpPr>
             <a:spLocks noGrp="1"/>
           </p:cNvSpPr>
@@ -1378,13 +1950,13 @@
             <a:pPr>
               <a:defRPr/>
             </a:pPr>
-            <a:endParaRPr lang="en-US"/>
-          </a:p>
-        </p:txBody>
-      </p:sp>
-      <p:sp>
-        <p:nvSpPr>
-          <p:cNvPr id="7" name="Slide Number Placeholder 6"/>
+            <a:endParaRPr lang="ru-RU"/>
+          </a:p>
+        </p:txBody>
+      </p:sp>
+      <p:sp>
+        <p:nvSpPr>
+          <p:cNvPr id="7" name="Номер слайда 6"/>
           <p:cNvSpPr>
             <a:spLocks noGrp="1"/>
           </p:cNvSpPr>
@@ -1400,11 +1972,11 @@
             <a:pPr>
               <a:defRPr/>
             </a:pPr>
-            <a:fld id="{08395586-F03A-48D1-94DF-16B239DF4FB5}" type="slidenum">
-              <a:rPr lang="en-US"/>
+            <a:fld id="{4D3B38E7-149F-4D77-9EEF-9309C2CB69A9}" type="slidenum">
+              <a:rPr lang="ru-RU"/>
               <a:t/>
             </a:fld>
-            <a:endParaRPr lang="en-US"/>
+            <a:endParaRPr lang="ru-RU"/>
           </a:p>
         </p:txBody>
       </p:sp>
@@ -1435,49 +2007,48 @@
       </p:grpSpPr>
       <p:sp>
         <p:nvSpPr>
-          <p:cNvPr id="2" name="Title 1"/>
+          <p:cNvPr id="2" name="Заголовок 1"/>
           <p:cNvSpPr>
             <a:spLocks noGrp="1"/>
           </p:cNvSpPr>
           <p:nvPr>
             <p:ph type="title"/>
+          </p:nvPr>
+        </p:nvSpPr>
+        <p:spPr bwMode="auto"/>
+        <p:txBody>
+          <a:bodyPr/>
+          <a:lstStyle>
+            <a:lvl1pPr>
+              <a:defRPr/>
+            </a:lvl1pPr>
+          </a:lstStyle>
+          <a:p>
+            <a:pPr>
+              <a:defRPr/>
+            </a:pPr>
+            <a:r>
+              <a:rPr lang="ru-RU"/>
+              <a:t>Образец заголовка</a:t>
+            </a:r>
+            <a:endParaRPr lang="ru-RU"/>
+          </a:p>
+        </p:txBody>
+      </p:sp>
+      <p:sp>
+        <p:nvSpPr>
+          <p:cNvPr id="3" name="Текст 2"/>
+          <p:cNvSpPr>
+            <a:spLocks noGrp="1"/>
+          </p:cNvSpPr>
+          <p:nvPr>
+            <p:ph type="body" idx="1"/>
           </p:nvPr>
         </p:nvSpPr>
         <p:spPr bwMode="auto">
           <a:xfrm>
-            <a:off x="839788" y="365125"/>
-            <a:ext cx="10515600" cy="1325563"/>
-          </a:xfrm>
-        </p:spPr>
-        <p:txBody>
-          <a:bodyPr/>
-          <a:lstStyle/>
-          <a:p>
-            <a:pPr>
-              <a:defRPr/>
-            </a:pPr>
-            <a:r>
-              <a:rPr lang="en-US"/>
-              <a:t>Click to edit Master title style</a:t>
-            </a:r>
-            <a:endParaRPr lang="en-US"/>
-          </a:p>
-        </p:txBody>
-      </p:sp>
-      <p:sp>
-        <p:nvSpPr>
-          <p:cNvPr id="3" name="Text Placeholder 2"/>
-          <p:cNvSpPr>
-            <a:spLocks noGrp="1"/>
-          </p:cNvSpPr>
-          <p:nvPr>
-            <p:ph type="body" idx="1"/>
-          </p:nvPr>
-        </p:nvSpPr>
-        <p:spPr bwMode="auto">
-          <a:xfrm>
-            <a:off x="839788" y="1681163"/>
-            <a:ext cx="5157787" cy="823912"/>
+            <a:off x="609600" y="1535113"/>
+            <a:ext cx="5386917" cy="639762"/>
           </a:xfrm>
         </p:spPr>
         <p:txBody>
@@ -1525,8 +2096,8 @@
               <a:defRPr/>
             </a:pPr>
             <a:r>
-              <a:rPr lang="en-US"/>
-              <a:t>Click to edit Master text styles</a:t>
+              <a:rPr lang="ru-RU"/>
+              <a:t>Образец текста</a:t>
             </a:r>
             <a:endParaRPr/>
           </a:p>
@@ -1534,7 +2105,7 @@
       </p:sp>
       <p:sp>
         <p:nvSpPr>
-          <p:cNvPr id="4" name="Content Placeholder 3"/>
+          <p:cNvPr id="4" name="Объект 3"/>
           <p:cNvSpPr>
             <a:spLocks noGrp="1"/>
           </p:cNvSpPr>
@@ -1544,20 +2115,48 @@
         </p:nvSpPr>
         <p:spPr bwMode="auto">
           <a:xfrm>
-            <a:off x="839788" y="2505074"/>
-            <a:ext cx="5157787" cy="3684588"/>
+            <a:off x="609600" y="2174874"/>
+            <a:ext cx="5386917" cy="3951288"/>
           </a:xfrm>
         </p:spPr>
         <p:txBody>
           <a:bodyPr/>
-          <a:lstStyle/>
+          <a:lstStyle>
+            <a:lvl1pPr>
+              <a:defRPr sz="2400"/>
+            </a:lvl1pPr>
+            <a:lvl2pPr>
+              <a:defRPr sz="2000"/>
+            </a:lvl2pPr>
+            <a:lvl3pPr>
+              <a:defRPr sz="1800"/>
+            </a:lvl3pPr>
+            <a:lvl4pPr>
+              <a:defRPr sz="1600"/>
+            </a:lvl4pPr>
+            <a:lvl5pPr>
+              <a:defRPr sz="1600"/>
+            </a:lvl5pPr>
+            <a:lvl6pPr>
+              <a:defRPr sz="1600"/>
+            </a:lvl6pPr>
+            <a:lvl7pPr>
+              <a:defRPr sz="1600"/>
+            </a:lvl7pPr>
+            <a:lvl8pPr>
+              <a:defRPr sz="1600"/>
+            </a:lvl8pPr>
+            <a:lvl9pPr>
+              <a:defRPr sz="1600"/>
+            </a:lvl9pPr>
+          </a:lstStyle>
           <a:p>
             <a:pPr lvl="0">
               <a:defRPr/>
             </a:pPr>
             <a:r>
-              <a:rPr lang="en-US"/>
-              <a:t>Click to edit Master text styles</a:t>
+              <a:rPr lang="ru-RU"/>
+              <a:t>Образец текста</a:t>
             </a:r>
             <a:endParaRPr/>
           </a:p>
@@ -1566,8 +2165,8 @@
               <a:defRPr/>
             </a:pPr>
             <a:r>
-              <a:rPr lang="en-US"/>
-              <a:t>Second level</a:t>
+              <a:rPr lang="ru-RU"/>
+              <a:t>Второй уровень</a:t>
             </a:r>
             <a:endParaRPr/>
           </a:p>
@@ -1576,8 +2175,8 @@
               <a:defRPr/>
             </a:pPr>
             <a:r>
-              <a:rPr lang="en-US"/>
-              <a:t>Third level</a:t>
+              <a:rPr lang="ru-RU"/>
+              <a:t>Третий уровень</a:t>
             </a:r>
             <a:endParaRPr/>
           </a:p>
@@ -1586,8 +2185,8 @@
               <a:defRPr/>
             </a:pPr>
             <a:r>
-              <a:rPr lang="en-US"/>
-              <a:t>Fourth level</a:t>
+              <a:rPr lang="ru-RU"/>
+              <a:t>Четвертый уровень</a:t>
             </a:r>
             <a:endParaRPr/>
           </a:p>
@@ -1596,16 +2195,16 @@
               <a:defRPr/>
             </a:pPr>
             <a:r>
-              <a:rPr lang="en-US"/>
-              <a:t>Fifth level</a:t>
-            </a:r>
-            <a:endParaRPr lang="en-US"/>
-          </a:p>
-        </p:txBody>
-      </p:sp>
-      <p:sp>
-        <p:nvSpPr>
-          <p:cNvPr id="5" name="Text Placeholder 4"/>
+              <a:rPr lang="ru-RU"/>
+              <a:t>Пятый уровень</a:t>
+            </a:r>
+            <a:endParaRPr lang="ru-RU"/>
+          </a:p>
+        </p:txBody>
+      </p:sp>
+      <p:sp>
+        <p:nvSpPr>
+          <p:cNvPr id="5" name="Текст 4"/>
           <p:cNvSpPr>
             <a:spLocks noGrp="1"/>
           </p:cNvSpPr>
@@ -1615,8 +2214,8 @@
         </p:nvSpPr>
         <p:spPr bwMode="auto">
           <a:xfrm>
-            <a:off x="6172200" y="1681163"/>
-            <a:ext cx="5183188" cy="823912"/>
+            <a:off x="6193370" y="1535113"/>
+            <a:ext cx="5389033" cy="639762"/>
           </a:xfrm>
         </p:spPr>
         <p:txBody>
@@ -1664,8 +2263,8 @@
               <a:defRPr/>
             </a:pPr>
             <a:r>
-              <a:rPr lang="en-US"/>
-              <a:t>Click to edit Master text styles</a:t>
+              <a:rPr lang="ru-RU"/>
+              <a:t>Образец текста</a:t>
             </a:r>
             <a:endParaRPr/>
           </a:p>
@@ -1673,7 +2272,7 @@
       </p:sp>
       <p:sp>
         <p:nvSpPr>
-          <p:cNvPr id="6" name="Content Placeholder 5"/>
+          <p:cNvPr id="6" name="Объект 5"/>
           <p:cNvSpPr>
             <a:spLocks noGrp="1"/>
           </p:cNvSpPr>
@@ -1683,20 +2282,48 @@
         </p:nvSpPr>
         <p:spPr bwMode="auto">
           <a:xfrm>
-            <a:off x="6172200" y="2505074"/>
-            <a:ext cx="5183188" cy="3684588"/>
+            <a:off x="6193370" y="2174874"/>
+            <a:ext cx="5389033" cy="3951288"/>
           </a:xfrm>
         </p:spPr>
         <p:txBody>
           <a:bodyPr/>
-          <a:lstStyle/>
+          <a:lstStyle>
+            <a:lvl1pPr>
+              <a:defRPr sz="2400"/>
+            </a:lvl1pPr>
+            <a:lvl2pPr>
+              <a:defRPr sz="2000"/>
+            </a:lvl2pPr>
+            <a:lvl3pPr>
+              <a:defRPr sz="1800"/>
+            </a:lvl3pPr>
+            <a:lvl4pPr>
+              <a:defRPr sz="1600"/>
+            </a:lvl4pPr>
+            <a:lvl5pPr>
+              <a:defRPr sz="1600"/>
+            </a:lvl5pPr>
+            <a:lvl6pPr>
+              <a:defRPr sz="1600"/>
+            </a:lvl6pPr>
+            <a:lvl7pPr>
+              <a:defRPr sz="1600"/>
+            </a:lvl7pPr>
+            <a:lvl8pPr>
+              <a:defRPr sz="1600"/>
+            </a:lvl8pPr>
+            <a:lvl9pPr>
+              <a:defRPr sz="1600"/>
+            </a:lvl9pPr>
+          </a:lstStyle>
           <a:p>
             <a:pPr lvl="0">
               <a:defRPr/>
             </a:pPr>
             <a:r>
-              <a:rPr lang="en-US"/>
-              <a:t>Click to edit Master text styles</a:t>
+              <a:rPr lang="ru-RU"/>
+              <a:t>Образец текста</a:t>
             </a:r>
             <a:endParaRPr/>
           </a:p>
@@ -1705,8 +2332,8 @@
               <a:defRPr/>
             </a:pPr>
             <a:r>
-              <a:rPr lang="en-US"/>
-              <a:t>Second level</a:t>
+              <a:rPr lang="ru-RU"/>
+              <a:t>Второй уровень</a:t>
             </a:r>
             <a:endParaRPr/>
           </a:p>
@@ -1715,8 +2342,8 @@
               <a:defRPr/>
             </a:pPr>
             <a:r>
-              <a:rPr lang="en-US"/>
-              <a:t>Third level</a:t>
+              <a:rPr lang="ru-RU"/>
+              <a:t>Третий уровень</a:t>
             </a:r>
             <a:endParaRPr/>
           </a:p>
@@ -1725,8 +2352,8 @@
               <a:defRPr/>
             </a:pPr>
             <a:r>
-              <a:rPr lang="en-US"/>
-              <a:t>Fourth level</a:t>
+              <a:rPr lang="ru-RU"/>
+              <a:t>Четвертый уровень</a:t>
             </a:r>
             <a:endParaRPr/>
           </a:p>
@@ -1735,16 +2362,16 @@
               <a:defRPr/>
             </a:pPr>
             <a:r>
-              <a:rPr lang="en-US"/>
-              <a:t>Fifth level</a:t>
-            </a:r>
-            <a:endParaRPr lang="en-US"/>
-          </a:p>
-        </p:txBody>
-      </p:sp>
-      <p:sp>
-        <p:nvSpPr>
-          <p:cNvPr id="7" name="Date Placeholder 6"/>
+              <a:rPr lang="ru-RU"/>
+              <a:t>Пятый уровень</a:t>
+            </a:r>
+            <a:endParaRPr lang="ru-RU"/>
+          </a:p>
+        </p:txBody>
+      </p:sp>
+      <p:sp>
+        <p:nvSpPr>
+          <p:cNvPr id="7" name="Дата 6"/>
           <p:cNvSpPr>
             <a:spLocks noGrp="1"/>
           </p:cNvSpPr>
@@ -1760,17 +2387,17 @@
             <a:pPr>
               <a:defRPr/>
             </a:pPr>
-            <a:fld id="{BCC18F51-09EC-435C-A3BA-64A766E099C0}" type="datetimeFigureOut">
-              <a:rPr lang="en-US"/>
+            <a:fld id="{A69D51E0-3758-456B-809F-07B187805C7D}" type="datetimeFigureOut">
+              <a:rPr lang="ru-RU"/>
               <a:t/>
             </a:fld>
-            <a:endParaRPr lang="en-US"/>
-          </a:p>
-        </p:txBody>
-      </p:sp>
-      <p:sp>
-        <p:nvSpPr>
-          <p:cNvPr id="8" name="Footer Placeholder 7"/>
+            <a:endParaRPr lang="ru-RU"/>
+          </a:p>
+        </p:txBody>
+      </p:sp>
+      <p:sp>
+        <p:nvSpPr>
+          <p:cNvPr id="8" name="Нижний колонтитул 7"/>
           <p:cNvSpPr>
             <a:spLocks noGrp="1"/>
           </p:cNvSpPr>
@@ -1786,13 +2413,13 @@
             <a:pPr>
               <a:defRPr/>
             </a:pPr>
-            <a:endParaRPr lang="en-US"/>
-          </a:p>
-        </p:txBody>
-      </p:sp>
-      <p:sp>
-        <p:nvSpPr>
-          <p:cNvPr id="9" name="Slide Number Placeholder 8"/>
+            <a:endParaRPr lang="ru-RU"/>
+          </a:p>
+        </p:txBody>
+      </p:sp>
+      <p:sp>
+        <p:nvSpPr>
+          <p:cNvPr id="9" name="Номер слайда 8"/>
           <p:cNvSpPr>
             <a:spLocks noGrp="1"/>
           </p:cNvSpPr>
@@ -1808,11 +2435,11 @@
             <a:pPr>
               <a:defRPr/>
             </a:pPr>
-            <a:fld id="{08395586-F03A-48D1-94DF-16B239DF4FB5}" type="slidenum">
-              <a:rPr lang="en-US"/>
+            <a:fld id="{4D3B38E7-149F-4D77-9EEF-9309C2CB69A9}" type="slidenum">
+              <a:rPr lang="ru-RU"/>
               <a:t/>
             </a:fld>
-            <a:endParaRPr lang="en-US"/>
+            <a:endParaRPr lang="ru-RU"/>
           </a:p>
         </p:txBody>
       </p:sp>
@@ -1843,7 +2470,7 @@
       </p:grpSpPr>
       <p:sp>
         <p:nvSpPr>
-          <p:cNvPr id="2" name="Title 1"/>
+          <p:cNvPr id="2" name="Заголовок 1"/>
           <p:cNvSpPr>
             <a:spLocks noGrp="1"/>
           </p:cNvSpPr>
@@ -1860,16 +2487,16 @@
               <a:defRPr/>
             </a:pPr>
             <a:r>
-              <a:rPr lang="en-US"/>
-              <a:t>Click to edit Master title style</a:t>
-            </a:r>
-            <a:endParaRPr lang="en-US"/>
-          </a:p>
-        </p:txBody>
-      </p:sp>
-      <p:sp>
-        <p:nvSpPr>
-          <p:cNvPr id="3" name="Date Placeholder 2"/>
+              <a:rPr lang="ru-RU"/>
+              <a:t>Образец заголовка</a:t>
+            </a:r>
+            <a:endParaRPr lang="ru-RU"/>
+          </a:p>
+        </p:txBody>
+      </p:sp>
+      <p:sp>
+        <p:nvSpPr>
+          <p:cNvPr id="3" name="Дата 2"/>
           <p:cNvSpPr>
             <a:spLocks noGrp="1"/>
           </p:cNvSpPr>
@@ -1885,17 +2512,17 @@
             <a:pPr>
               <a:defRPr/>
             </a:pPr>
-            <a:fld id="{BCC18F51-09EC-435C-A3BA-64A766E099C0}" type="datetimeFigureOut">
-              <a:rPr lang="en-US"/>
+            <a:fld id="{A69D51E0-3758-456B-809F-07B187805C7D}" type="datetimeFigureOut">
+              <a:rPr lang="ru-RU"/>
               <a:t/>
             </a:fld>
-            <a:endParaRPr lang="en-US"/>
-          </a:p>
-        </p:txBody>
-      </p:sp>
-      <p:sp>
-        <p:nvSpPr>
-          <p:cNvPr id="4" name="Footer Placeholder 3"/>
+            <a:endParaRPr lang="ru-RU"/>
+          </a:p>
+        </p:txBody>
+      </p:sp>
+      <p:sp>
+        <p:nvSpPr>
+          <p:cNvPr id="4" name="Нижний колонтитул 3"/>
           <p:cNvSpPr>
             <a:spLocks noGrp="1"/>
           </p:cNvSpPr>
@@ -1911,13 +2538,13 @@
             <a:pPr>
               <a:defRPr/>
             </a:pPr>
-            <a:endParaRPr lang="en-US"/>
-          </a:p>
-        </p:txBody>
-      </p:sp>
-      <p:sp>
-        <p:nvSpPr>
-          <p:cNvPr id="5" name="Slide Number Placeholder 4"/>
+            <a:endParaRPr lang="ru-RU"/>
+          </a:p>
+        </p:txBody>
+      </p:sp>
+      <p:sp>
+        <p:nvSpPr>
+          <p:cNvPr id="5" name="Номер слайда 4"/>
           <p:cNvSpPr>
             <a:spLocks noGrp="1"/>
           </p:cNvSpPr>
@@ -1933,11 +2560,11 @@
             <a:pPr>
               <a:defRPr/>
             </a:pPr>
-            <a:fld id="{08395586-F03A-48D1-94DF-16B239DF4FB5}" type="slidenum">
-              <a:rPr lang="en-US"/>
+            <a:fld id="{4D3B38E7-149F-4D77-9EEF-9309C2CB69A9}" type="slidenum">
+              <a:rPr lang="ru-RU"/>
               <a:t/>
             </a:fld>
-            <a:endParaRPr lang="en-US"/>
+            <a:endParaRPr lang="ru-RU"/>
           </a:p>
         </p:txBody>
       </p:sp>
@@ -1968,7 +2595,7 @@
       </p:grpSpPr>
       <p:sp>
         <p:nvSpPr>
-          <p:cNvPr id="2" name="Date Placeholder 1"/>
+          <p:cNvPr id="2" name="Дата 1"/>
           <p:cNvSpPr>
             <a:spLocks noGrp="1"/>
           </p:cNvSpPr>
@@ -1984,17 +2611,17 @@
             <a:pPr>
               <a:defRPr/>
             </a:pPr>
-            <a:fld id="{BCC18F51-09EC-435C-A3BA-64A766E099C0}" type="datetimeFigureOut">
-              <a:rPr lang="en-US"/>
+            <a:fld id="{A69D51E0-3758-456B-809F-07B187805C7D}" type="datetimeFigureOut">
+              <a:rPr lang="ru-RU"/>
               <a:t/>
             </a:fld>
-            <a:endParaRPr lang="en-US"/>
-          </a:p>
-        </p:txBody>
-      </p:sp>
-      <p:sp>
-        <p:nvSpPr>
-          <p:cNvPr id="3" name="Footer Placeholder 2"/>
+            <a:endParaRPr lang="ru-RU"/>
+          </a:p>
+        </p:txBody>
+      </p:sp>
+      <p:sp>
+        <p:nvSpPr>
+          <p:cNvPr id="3" name="Нижний колонтитул 2"/>
           <p:cNvSpPr>
             <a:spLocks noGrp="1"/>
           </p:cNvSpPr>
@@ -2010,13 +2637,13 @@
             <a:pPr>
               <a:defRPr/>
             </a:pPr>
-            <a:endParaRPr lang="en-US"/>
-          </a:p>
-        </p:txBody>
-      </p:sp>
-      <p:sp>
-        <p:nvSpPr>
-          <p:cNvPr id="4" name="Slide Number Placeholder 3"/>
+            <a:endParaRPr lang="ru-RU"/>
+          </a:p>
+        </p:txBody>
+      </p:sp>
+      <p:sp>
+        <p:nvSpPr>
+          <p:cNvPr id="4" name="Номер слайда 3"/>
           <p:cNvSpPr>
             <a:spLocks noGrp="1"/>
           </p:cNvSpPr>
@@ -2032,11 +2659,11 @@
             <a:pPr>
               <a:defRPr/>
             </a:pPr>
-            <a:fld id="{08395586-F03A-48D1-94DF-16B239DF4FB5}" type="slidenum">
-              <a:rPr lang="en-US"/>
+            <a:fld id="{4D3B38E7-149F-4D77-9EEF-9309C2CB69A9}" type="slidenum">
+              <a:rPr lang="ru-RU"/>
               <a:t/>
             </a:fld>
-            <a:endParaRPr lang="en-US"/>
+            <a:endParaRPr lang="ru-RU"/>
           </a:p>
         </p:txBody>
       </p:sp>
@@ -2067,7 +2694,7 @@
       </p:grpSpPr>
       <p:sp>
         <p:nvSpPr>
-          <p:cNvPr id="2" name="Title 1"/>
+          <p:cNvPr id="2" name="Заголовок 1"/>
           <p:cNvSpPr>
             <a:spLocks noGrp="1"/>
           </p:cNvSpPr>
@@ -2077,15 +2704,15 @@
         </p:nvSpPr>
         <p:spPr bwMode="auto">
           <a:xfrm>
-            <a:off x="839788" y="457200"/>
-            <a:ext cx="3932237" cy="1600200"/>
+            <a:off x="609604" y="273049"/>
+            <a:ext cx="4011084" cy="1162050"/>
           </a:xfrm>
         </p:spPr>
         <p:txBody>
           <a:bodyPr anchor="b"/>
           <a:lstStyle>
-            <a:lvl1pPr>
-              <a:defRPr sz="3200"/>
+            <a:lvl1pPr algn="l">
+              <a:defRPr sz="2000" b="1"/>
             </a:lvl1pPr>
           </a:lstStyle>
           <a:p>
@@ -2093,16 +2720,16 @@
               <a:defRPr/>
             </a:pPr>
             <a:r>
-              <a:rPr lang="en-US"/>
-              <a:t>Click to edit Master title style</a:t>
-            </a:r>
-            <a:endParaRPr lang="en-US"/>
-          </a:p>
-        </p:txBody>
-      </p:sp>
-      <p:sp>
-        <p:nvSpPr>
-          <p:cNvPr id="3" name="Content Placeholder 2"/>
+              <a:rPr lang="ru-RU"/>
+              <a:t>Образец заголовка</a:t>
+            </a:r>
+            <a:endParaRPr lang="ru-RU"/>
+          </a:p>
+        </p:txBody>
+      </p:sp>
+      <p:sp>
+        <p:nvSpPr>
+          <p:cNvPr id="3" name="Объект 2"/>
           <p:cNvSpPr>
             <a:spLocks noGrp="1"/>
           </p:cNvSpPr>
@@ -2112,8 +2739,8 @@
         </p:nvSpPr>
         <p:spPr bwMode="auto">
           <a:xfrm>
-            <a:off x="5183188" y="987425"/>
-            <a:ext cx="6172200" cy="4873625"/>
+            <a:off x="4766733" y="273052"/>
+            <a:ext cx="6815666" cy="5853113"/>
           </a:xfrm>
         </p:spPr>
         <p:txBody>
@@ -2152,8 +2779,8 @@
               <a:defRPr/>
             </a:pPr>
             <a:r>
-              <a:rPr lang="en-US"/>
-              <a:t>Click to edit Master text styles</a:t>
+              <a:rPr lang="ru-RU"/>
+              <a:t>Образец текста</a:t>
             </a:r>
             <a:endParaRPr/>
           </a:p>
@@ -2162,8 +2789,8 @@
               <a:defRPr/>
             </a:pPr>
             <a:r>
-              <a:rPr lang="en-US"/>
-              <a:t>Second level</a:t>
+              <a:rPr lang="ru-RU"/>
+              <a:t>Второй уровень</a:t>
             </a:r>
             <a:endParaRPr/>
           </a:p>
@@ -2172,8 +2799,8 @@
               <a:defRPr/>
             </a:pPr>
             <a:r>
-              <a:rPr lang="en-US"/>
-              <a:t>Third level</a:t>
+              <a:rPr lang="ru-RU"/>
+              <a:t>Третий уровень</a:t>
             </a:r>
             <a:endParaRPr/>
           </a:p>
@@ -2182,8 +2809,8 @@
               <a:defRPr/>
             </a:pPr>
             <a:r>
-              <a:rPr lang="en-US"/>
-              <a:t>Fourth level</a:t>
+              <a:rPr lang="ru-RU"/>
+              <a:t>Четвертый уровень</a:t>
             </a:r>
             <a:endParaRPr/>
           </a:p>
@@ -2192,16 +2819,16 @@
               <a:defRPr/>
             </a:pPr>
             <a:r>
-              <a:rPr lang="en-US"/>
-              <a:t>Fifth level</a:t>
-            </a:r>
-            <a:endParaRPr lang="en-US"/>
-          </a:p>
-        </p:txBody>
-      </p:sp>
-      <p:sp>
-        <p:nvSpPr>
-          <p:cNvPr id="4" name="Text Placeholder 3"/>
+              <a:rPr lang="ru-RU"/>
+              <a:t>Пятый уровень</a:t>
+            </a:r>
+            <a:endParaRPr lang="ru-RU"/>
+          </a:p>
+        </p:txBody>
+      </p:sp>
+      <p:sp>
+        <p:nvSpPr>
+          <p:cNvPr id="4" name="Текст 3"/>
           <p:cNvSpPr>
             <a:spLocks noGrp="1"/>
           </p:cNvSpPr>
@@ -2211,8 +2838,8 @@
         </p:nvSpPr>
         <p:spPr bwMode="auto">
           <a:xfrm>
-            <a:off x="839788" y="2057400"/>
-            <a:ext cx="3932237" cy="3811588"/>
+            <a:off x="609604" y="1435102"/>
+            <a:ext cx="4011084" cy="4691062"/>
           </a:xfrm>
         </p:spPr>
         <p:txBody>
@@ -2220,39 +2847,39 @@
           <a:lstStyle>
             <a:lvl1pPr marL="0" indent="0">
               <a:buNone/>
-              <a:defRPr sz="1600"/>
+              <a:defRPr sz="1400"/>
             </a:lvl1pPr>
             <a:lvl2pPr marL="457200" indent="0">
               <a:buNone/>
-              <a:defRPr sz="1400"/>
+              <a:defRPr sz="1200"/>
             </a:lvl2pPr>
             <a:lvl3pPr marL="914400" indent="0">
               <a:buNone/>
-              <a:defRPr sz="1200"/>
+              <a:defRPr sz="1000"/>
             </a:lvl3pPr>
             <a:lvl4pPr marL="1371600" indent="0">
               <a:buNone/>
-              <a:defRPr sz="1000"/>
+              <a:defRPr sz="900"/>
             </a:lvl4pPr>
             <a:lvl5pPr marL="1828800" indent="0">
               <a:buNone/>
-              <a:defRPr sz="1000"/>
+              <a:defRPr sz="900"/>
             </a:lvl5pPr>
             <a:lvl6pPr marL="2286000" indent="0">
               <a:buNone/>
-              <a:defRPr sz="1000"/>
+              <a:defRPr sz="900"/>
             </a:lvl6pPr>
             <a:lvl7pPr marL="2743200" indent="0">
               <a:buNone/>
-              <a:defRPr sz="1000"/>
+              <a:defRPr sz="900"/>
             </a:lvl7pPr>
             <a:lvl8pPr marL="3200400" indent="0">
               <a:buNone/>
-              <a:defRPr sz="1000"/>
+              <a:defRPr sz="900"/>
             </a:lvl8pPr>
             <a:lvl9pPr marL="3657600" indent="0">
               <a:buNone/>
-              <a:defRPr sz="1000"/>
+              <a:defRPr sz="900"/>
             </a:lvl9pPr>
           </a:lstStyle>
           <a:p>
@@ -2260,8 +2887,8 @@
               <a:defRPr/>
             </a:pPr>
             <a:r>
-              <a:rPr lang="en-US"/>
-              <a:t>Click to edit Master text styles</a:t>
+              <a:rPr lang="ru-RU"/>
+              <a:t>Образец текста</a:t>
             </a:r>
             <a:endParaRPr/>
           </a:p>
@@ -2269,7 +2896,7 @@
       </p:sp>
       <p:sp>
         <p:nvSpPr>
-          <p:cNvPr id="5" name="Date Placeholder 4"/>
+          <p:cNvPr id="5" name="Дата 4"/>
           <p:cNvSpPr>
             <a:spLocks noGrp="1"/>
           </p:cNvSpPr>
@@ -2285,17 +2912,17 @@
             <a:pPr>
               <a:defRPr/>
             </a:pPr>
-            <a:fld id="{BCC18F51-09EC-435C-A3BA-64A766E099C0}" type="datetimeFigureOut">
-              <a:rPr lang="en-US"/>
+            <a:fld id="{A69D51E0-3758-456B-809F-07B187805C7D}" type="datetimeFigureOut">
+              <a:rPr lang="ru-RU"/>
               <a:t/>
             </a:fld>
-            <a:endParaRPr lang="en-US"/>
-          </a:p>
-        </p:txBody>
-      </p:sp>
-      <p:sp>
-        <p:nvSpPr>
-          <p:cNvPr id="6" name="Footer Placeholder 5"/>
+            <a:endParaRPr lang="ru-RU"/>
+          </a:p>
+        </p:txBody>
+      </p:sp>
+      <p:sp>
+        <p:nvSpPr>
+          <p:cNvPr id="6" name="Нижний колонтитул 5"/>
           <p:cNvSpPr>
             <a:spLocks noGrp="1"/>
           </p:cNvSpPr>
@@ -2311,13 +2938,13 @@
             <a:pPr>
               <a:defRPr/>
             </a:pPr>
-            <a:endParaRPr lang="en-US"/>
-          </a:p>
-        </p:txBody>
-      </p:sp>
-      <p:sp>
-        <p:nvSpPr>
-          <p:cNvPr id="7" name="Slide Number Placeholder 6"/>
+            <a:endParaRPr lang="ru-RU"/>
+          </a:p>
+        </p:txBody>
+      </p:sp>
+      <p:sp>
+        <p:nvSpPr>
+          <p:cNvPr id="7" name="Номер слайда 6"/>
           <p:cNvSpPr>
             <a:spLocks noGrp="1"/>
           </p:cNvSpPr>
@@ -2333,11 +2960,11 @@
             <a:pPr>
               <a:defRPr/>
             </a:pPr>
-            <a:fld id="{08395586-F03A-48D1-94DF-16B239DF4FB5}" type="slidenum">
-              <a:rPr lang="en-US"/>
+            <a:fld id="{4D3B38E7-149F-4D77-9EEF-9309C2CB69A9}" type="slidenum">
+              <a:rPr lang="ru-RU"/>
               <a:t/>
             </a:fld>
-            <a:endParaRPr lang="en-US"/>
+            <a:endParaRPr lang="ru-RU"/>
           </a:p>
         </p:txBody>
       </p:sp>
@@ -2368,7 +2995,7 @@
       </p:grpSpPr>
       <p:sp>
         <p:nvSpPr>
-          <p:cNvPr id="2" name="Title 1"/>
+          <p:cNvPr id="2" name="Заголовок 1"/>
           <p:cNvSpPr>
             <a:spLocks noGrp="1"/>
           </p:cNvSpPr>
@@ -2378,15 +3005,15 @@
         </p:nvSpPr>
         <p:spPr bwMode="auto">
           <a:xfrm>
-            <a:off x="839788" y="457200"/>
-            <a:ext cx="3932237" cy="1600200"/>
+            <a:off x="2389717" y="4800601"/>
+            <a:ext cx="7315200" cy="566738"/>
           </a:xfrm>
         </p:spPr>
         <p:txBody>
           <a:bodyPr anchor="b"/>
           <a:lstStyle>
-            <a:lvl1pPr>
-              <a:defRPr sz="3200"/>
+            <a:lvl1pPr algn="l">
+              <a:defRPr sz="2000" b="1"/>
             </a:lvl1pPr>
           </a:lstStyle>
           <a:p>
@@ -2394,18 +3021,18 @@
               <a:defRPr/>
             </a:pPr>
             <a:r>
-              <a:rPr lang="en-US"/>
-              <a:t>Click to edit Master title style</a:t>
-            </a:r>
-            <a:endParaRPr lang="en-US"/>
-          </a:p>
-        </p:txBody>
-      </p:sp>
-      <p:sp>
-        <p:nvSpPr>
-          <p:cNvPr id="3" name="Picture Placeholder 2"/>
-          <p:cNvSpPr>
-            <a:spLocks noChangeAspect="1" noGrp="1"/>
+              <a:rPr lang="ru-RU"/>
+              <a:t>Образец заголовка</a:t>
+            </a:r>
+            <a:endParaRPr lang="ru-RU"/>
+          </a:p>
+        </p:txBody>
+      </p:sp>
+      <p:sp>
+        <p:nvSpPr>
+          <p:cNvPr id="3" name="Рисунок 2"/>
+          <p:cNvSpPr>
+            <a:spLocks noGrp="1"/>
           </p:cNvSpPr>
           <p:nvPr>
             <p:ph type="pic" idx="1"/>
@@ -2413,12 +3040,12 @@
         </p:nvSpPr>
         <p:spPr bwMode="auto">
           <a:xfrm>
-            <a:off x="5183188" y="987425"/>
-            <a:ext cx="6172200" cy="4873625"/>
+            <a:off x="2389717" y="612774"/>
+            <a:ext cx="7315200" cy="4114799"/>
           </a:xfrm>
         </p:spPr>
         <p:txBody>
-          <a:bodyPr anchor="t"/>
+          <a:bodyPr/>
           <a:lstStyle>
             <a:lvl1pPr marL="0" indent="0">
               <a:buNone/>
@@ -2461,17 +3088,13 @@
             <a:pPr>
               <a:defRPr/>
             </a:pPr>
-            <a:r>
-              <a:rPr lang="en-US"/>
-              <a:t>Click icon to add picture</a:t>
-            </a:r>
-            <a:endParaRPr lang="en-US"/>
-          </a:p>
-        </p:txBody>
-      </p:sp>
-      <p:sp>
-        <p:nvSpPr>
-          <p:cNvPr id="4" name="Text Placeholder 3"/>
+            <a:endParaRPr lang="ru-RU"/>
+          </a:p>
+        </p:txBody>
+      </p:sp>
+      <p:sp>
+        <p:nvSpPr>
+          <p:cNvPr id="4" name="Текст 3"/>
           <p:cNvSpPr>
             <a:spLocks noGrp="1"/>
           </p:cNvSpPr>
@@ -2481,8 +3104,8 @@
         </p:nvSpPr>
         <p:spPr bwMode="auto">
           <a:xfrm>
-            <a:off x="839788" y="2057400"/>
-            <a:ext cx="3932237" cy="3811588"/>
+            <a:off x="2389717" y="5367338"/>
+            <a:ext cx="7315200" cy="804862"/>
           </a:xfrm>
         </p:spPr>
         <p:txBody>
@@ -2490,39 +3113,39 @@
           <a:lstStyle>
             <a:lvl1pPr marL="0" indent="0">
               <a:buNone/>
-              <a:defRPr sz="1600"/>
+              <a:defRPr sz="1400"/>
             </a:lvl1pPr>
             <a:lvl2pPr marL="457200" indent="0">
               <a:buNone/>
-              <a:defRPr sz="1400"/>
+              <a:defRPr sz="1200"/>
             </a:lvl2pPr>
             <a:lvl3pPr marL="914400" indent="0">
               <a:buNone/>
-              <a:defRPr sz="1200"/>
+              <a:defRPr sz="1000"/>
             </a:lvl3pPr>
             <a:lvl4pPr marL="1371600" indent="0">
               <a:buNone/>
-              <a:defRPr sz="1000"/>
+              <a:defRPr sz="900"/>
             </a:lvl4pPr>
             <a:lvl5pPr marL="1828800" indent="0">
               <a:buNone/>
-              <a:defRPr sz="1000"/>
+              <a:defRPr sz="900"/>
             </a:lvl5pPr>
             <a:lvl6pPr marL="2286000" indent="0">
               <a:buNone/>
-              <a:defRPr sz="1000"/>
+              <a:defRPr sz="900"/>
             </a:lvl6pPr>
             <a:lvl7pPr marL="2743200" indent="0">
               <a:buNone/>
-              <a:defRPr sz="1000"/>
+              <a:defRPr sz="900"/>
             </a:lvl7pPr>
             <a:lvl8pPr marL="3200400" indent="0">
               <a:buNone/>
-              <a:defRPr sz="1000"/>
+              <a:defRPr sz="900"/>
             </a:lvl8pPr>
             <a:lvl9pPr marL="3657600" indent="0">
               <a:buNone/>
-              <a:defRPr sz="1000"/>
+              <a:defRPr sz="900"/>
             </a:lvl9pPr>
           </a:lstStyle>
           <a:p>
@@ -2530,8 +3153,8 @@
               <a:defRPr/>
             </a:pPr>
             <a:r>
-              <a:rPr lang="en-US"/>
-              <a:t>Click to edit Master text styles</a:t>
+              <a:rPr lang="ru-RU"/>
+              <a:t>Образец текста</a:t>
             </a:r>
             <a:endParaRPr/>
           </a:p>
@@ -2539,7 +3162,7 @@
       </p:sp>
       <p:sp>
         <p:nvSpPr>
-          <p:cNvPr id="5" name="Date Placeholder 4"/>
+          <p:cNvPr id="5" name="Дата 4"/>
           <p:cNvSpPr>
             <a:spLocks noGrp="1"/>
           </p:cNvSpPr>
@@ -2555,17 +3178,17 @@
             <a:pPr>
               <a:defRPr/>
             </a:pPr>
-            <a:fld id="{BCC18F51-09EC-435C-A3BA-64A766E099C0}" type="datetimeFigureOut">
-              <a:rPr lang="en-US"/>
+            <a:fld id="{A69D51E0-3758-456B-809F-07B187805C7D}" type="datetimeFigureOut">
+              <a:rPr lang="ru-RU"/>
               <a:t/>
             </a:fld>
-            <a:endParaRPr lang="en-US"/>
-          </a:p>
-        </p:txBody>
-      </p:sp>
-      <p:sp>
-        <p:nvSpPr>
-          <p:cNvPr id="6" name="Footer Placeholder 5"/>
+            <a:endParaRPr lang="ru-RU"/>
+          </a:p>
+        </p:txBody>
+      </p:sp>
+      <p:sp>
+        <p:nvSpPr>
+          <p:cNvPr id="6" name="Нижний колонтитул 5"/>
           <p:cNvSpPr>
             <a:spLocks noGrp="1"/>
           </p:cNvSpPr>
@@ -2581,13 +3204,13 @@
             <a:pPr>
               <a:defRPr/>
             </a:pPr>
-            <a:endParaRPr lang="en-US"/>
-          </a:p>
-        </p:txBody>
-      </p:sp>
-      <p:sp>
-        <p:nvSpPr>
-          <p:cNvPr id="7" name="Slide Number Placeholder 6"/>
+            <a:endParaRPr lang="ru-RU"/>
+          </a:p>
+        </p:txBody>
+      </p:sp>
+      <p:sp>
+        <p:nvSpPr>
+          <p:cNvPr id="7" name="Номер слайда 6"/>
           <p:cNvSpPr>
             <a:spLocks noGrp="1"/>
           </p:cNvSpPr>
@@ -2603,11 +3226,11 @@
             <a:pPr>
               <a:defRPr/>
             </a:pPr>
-            <a:fld id="{08395586-F03A-48D1-94DF-16B239DF4FB5}" type="slidenum">
-              <a:rPr lang="en-US"/>
+            <a:fld id="{4D3B38E7-149F-4D77-9EEF-9309C2CB69A9}" type="slidenum">
+              <a:rPr lang="ru-RU"/>
               <a:t/>
             </a:fld>
-            <a:endParaRPr lang="en-US"/>
+            <a:endParaRPr lang="ru-RU"/>
           </a:p>
         </p:txBody>
       </p:sp>
@@ -2643,18 +3266,295 @@
       </p:grpSpPr>
       <p:sp>
         <p:nvSpPr>
-          <p:cNvPr id="2" name="Title Placeholder 1"/>
-          <p:cNvSpPr>
-            <a:spLocks noGrp="1"/>
-          </p:cNvSpPr>
-          <p:nvPr>
-            <p:ph type="title"/>
-          </p:nvPr>
+          <p:cNvPr id="7" name="Shape 1059"/>
+          <p:cNvSpPr>
+            <a:spLocks noChangeArrowheads="1" noGrp="1"/>
+          </p:cNvSpPr>
+          <p:nvPr userDrawn="1"/>
         </p:nvSpPr>
         <p:spPr bwMode="auto">
           <a:xfrm>
-            <a:off x="838200" y="365125"/>
-            <a:ext cx="10515600" cy="1325563"/>
+            <a:off x="4976706" y="2"/>
+            <a:ext cx="3058160" cy="893790"/>
+          </a:xfrm>
+          <a:custGeom>
+            <a:avLst/>
+            <a:gdLst/>
+            <a:ahLst/>
+            <a:cxnLst/>
+            <a:rect l="l" t="t" r="r" b="b"/>
+            <a:pathLst>
+              <a:path w="43200" h="43200" fill="norm" stroke="0" extrusionOk="0">
+                <a:moveTo>
+                  <a:pt x="0" y="0"/>
+                </a:moveTo>
+                <a:lnTo>
+                  <a:pt x="0" y="0"/>
+                </a:lnTo>
+                <a:cubicBezTo>
+                  <a:pt x="1690" y="6213"/>
+                  <a:pt x="3698" y="13338"/>
+                  <a:pt x="6091" y="21902"/>
+                </a:cubicBezTo>
+                <a:lnTo>
+                  <a:pt x="6091" y="21902"/>
+                </a:lnTo>
+                <a:cubicBezTo>
+                  <a:pt x="12043" y="43199"/>
+                  <a:pt x="17573" y="35347"/>
+                  <a:pt x="23417" y="30579"/>
+                </a:cubicBezTo>
+                <a:lnTo>
+                  <a:pt x="23417" y="30579"/>
+                </a:lnTo>
+                <a:cubicBezTo>
+                  <a:pt x="29984" y="25223"/>
+                  <a:pt x="42123" y="14119"/>
+                  <a:pt x="42860" y="5640"/>
+                </a:cubicBezTo>
+                <a:lnTo>
+                  <a:pt x="42860" y="5640"/>
+                </a:lnTo>
+                <a:cubicBezTo>
+                  <a:pt x="42960" y="4507"/>
+                  <a:pt x="43072" y="2479"/>
+                  <a:pt x="43200" y="0"/>
+                </a:cubicBezTo>
+                <a:lnTo>
+                  <a:pt x="0" y="0"/>
+                </a:lnTo>
+                <a:close/>
+              </a:path>
+            </a:pathLst>
+          </a:custGeom>
+          <a:solidFill>
+            <a:schemeClr val="bg1">
+              <a:lumMod val="85000"/>
+            </a:schemeClr>
+          </a:solidFill>
+          <a:ln w="9524">
+            <a:solidFill>
+              <a:srgbClr val="000000"/>
+            </a:solidFill>
+            <a:round/>
+            <a:headEnd/>
+            <a:tailEnd/>
+          </a:ln>
+        </p:spPr>
+      </p:sp>
+      <p:sp>
+        <p:nvSpPr>
+          <p:cNvPr id="8" name="Shape 1060"/>
+          <p:cNvSpPr>
+            <a:spLocks noChangeArrowheads="1" noGrp="1"/>
+          </p:cNvSpPr>
+          <p:nvPr userDrawn="1"/>
+        </p:nvSpPr>
+        <p:spPr bwMode="auto">
+          <a:xfrm>
+            <a:off x="-24680" y="1"/>
+            <a:ext cx="1399540" cy="1797558"/>
+          </a:xfrm>
+          <a:custGeom>
+            <a:avLst/>
+            <a:gdLst/>
+            <a:ahLst/>
+            <a:cxnLst/>
+            <a:rect l="l" t="t" r="r" b="b"/>
+            <a:pathLst>
+              <a:path w="43200" h="43200" fill="norm" stroke="0" extrusionOk="0">
+                <a:moveTo>
+                  <a:pt x="31743" y="2484"/>
+                </a:moveTo>
+                <a:lnTo>
+                  <a:pt x="31743" y="2484"/>
+                </a:lnTo>
+                <a:cubicBezTo>
+                  <a:pt x="30428" y="1799"/>
+                  <a:pt x="28450" y="1080"/>
+                  <a:pt x="26054" y="0"/>
+                </a:cubicBezTo>
+                <a:lnTo>
+                  <a:pt x="0" y="0"/>
+                </a:lnTo>
+                <a:lnTo>
+                  <a:pt x="0" y="34200"/>
+                </a:lnTo>
+                <a:lnTo>
+                  <a:pt x="0" y="34200"/>
+                </a:lnTo>
+                <a:cubicBezTo>
+                  <a:pt x="7029" y="37461"/>
+                  <a:pt x="14504" y="41491"/>
+                  <a:pt x="25070" y="40664"/>
+                </a:cubicBezTo>
+                <a:lnTo>
+                  <a:pt x="25070" y="40664"/>
+                </a:lnTo>
+                <a:cubicBezTo>
+                  <a:pt x="33399" y="40015"/>
+                  <a:pt x="43200" y="43200"/>
+                  <a:pt x="39593" y="28375"/>
+                </a:cubicBezTo>
+                <a:lnTo>
+                  <a:pt x="39593" y="28375"/>
+                </a:lnTo>
+                <a:cubicBezTo>
+                  <a:pt x="35986" y="13550"/>
+                  <a:pt x="38530" y="6023"/>
+                  <a:pt x="31743" y="2484"/>
+                </a:cubicBezTo>
+                <a:close/>
+              </a:path>
+            </a:pathLst>
+          </a:custGeom>
+          <a:solidFill>
+            <a:schemeClr val="bg1">
+              <a:lumMod val="85000"/>
+            </a:schemeClr>
+          </a:solidFill>
+          <a:ln w="9524">
+            <a:solidFill>
+              <a:srgbClr val="000000"/>
+            </a:solidFill>
+            <a:round/>
+            <a:headEnd/>
+            <a:tailEnd/>
+          </a:ln>
+        </p:spPr>
+      </p:sp>
+      <p:sp>
+        <p:nvSpPr>
+          <p:cNvPr id="9" name="Shape 1061"/>
+          <p:cNvSpPr>
+            <a:spLocks noChangeArrowheads="1" noGrp="1"/>
+          </p:cNvSpPr>
+          <p:nvPr userDrawn="1"/>
+        </p:nvSpPr>
+        <p:spPr bwMode="auto">
+          <a:xfrm>
+            <a:off x="1637457" y="1"/>
+            <a:ext cx="3839633" cy="2609650"/>
+          </a:xfrm>
+          <a:custGeom>
+            <a:avLst/>
+            <a:gdLst/>
+            <a:ahLst/>
+            <a:cxnLst/>
+            <a:rect l="l" t="t" r="r" b="b"/>
+            <a:pathLst>
+              <a:path w="43200" h="43200" fill="norm" stroke="0" extrusionOk="0">
+                <a:moveTo>
+                  <a:pt x="32864" y="0"/>
+                </a:moveTo>
+                <a:lnTo>
+                  <a:pt x="10583" y="0"/>
+                </a:lnTo>
+                <a:lnTo>
+                  <a:pt x="10583" y="0"/>
+                </a:lnTo>
+                <a:cubicBezTo>
+                  <a:pt x="9017" y="532"/>
+                  <a:pt x="7515" y="1058"/>
+                  <a:pt x="6214" y="1509"/>
+                </a:cubicBezTo>
+                <a:lnTo>
+                  <a:pt x="6214" y="1509"/>
+                </a:lnTo>
+                <a:cubicBezTo>
+                  <a:pt x="1428" y="3166"/>
+                  <a:pt x="0" y="6109"/>
+                  <a:pt x="212" y="8072"/>
+                </a:cubicBezTo>
+                <a:lnTo>
+                  <a:pt x="212" y="8072"/>
+                </a:lnTo>
+                <a:cubicBezTo>
+                  <a:pt x="758" y="13092"/>
+                  <a:pt x="1111" y="20742"/>
+                  <a:pt x="1212" y="25114"/>
+                </a:cubicBezTo>
+                <a:lnTo>
+                  <a:pt x="1212" y="25114"/>
+                </a:lnTo>
+                <a:cubicBezTo>
+                  <a:pt x="1301" y="28962"/>
+                  <a:pt x="4204" y="30446"/>
+                  <a:pt x="6906" y="31937"/>
+                </a:cubicBezTo>
+                <a:lnTo>
+                  <a:pt x="6906" y="31937"/>
+                </a:lnTo>
+                <a:cubicBezTo>
+                  <a:pt x="9246" y="33229"/>
+                  <a:pt x="19775" y="38395"/>
+                  <a:pt x="22112" y="39685"/>
+                </a:cubicBezTo>
+                <a:lnTo>
+                  <a:pt x="22112" y="39685"/>
+                </a:lnTo>
+                <a:cubicBezTo>
+                  <a:pt x="22112" y="39685"/>
+                  <a:pt x="27355" y="43200"/>
+                  <a:pt x="30298" y="38395"/>
+                </a:cubicBezTo>
+                <a:lnTo>
+                  <a:pt x="30298" y="38395"/>
+                </a:lnTo>
+                <a:cubicBezTo>
+                  <a:pt x="33277" y="33533"/>
+                  <a:pt x="36665" y="27667"/>
+                  <a:pt x="39367" y="23576"/>
+                </a:cubicBezTo>
+                <a:lnTo>
+                  <a:pt x="39367" y="23576"/>
+                </a:lnTo>
+                <a:cubicBezTo>
+                  <a:pt x="41761" y="19953"/>
+                  <a:pt x="43200" y="17587"/>
+                  <a:pt x="40977" y="12816"/>
+                </a:cubicBezTo>
+                <a:lnTo>
+                  <a:pt x="40977" y="12816"/>
+                </a:lnTo>
+                <a:cubicBezTo>
+                  <a:pt x="39697" y="10062"/>
+                  <a:pt x="35347" y="3936"/>
+                  <a:pt x="32864" y="0"/>
+                </a:cubicBezTo>
+                <a:close/>
+              </a:path>
+            </a:pathLst>
+          </a:custGeom>
+          <a:solidFill>
+            <a:schemeClr val="bg1">
+              <a:lumMod val="85000"/>
+            </a:schemeClr>
+          </a:solidFill>
+          <a:ln w="9524">
+            <a:solidFill>
+              <a:srgbClr val="000000"/>
+            </a:solidFill>
+            <a:round/>
+            <a:headEnd/>
+            <a:tailEnd/>
+          </a:ln>
+        </p:spPr>
+      </p:sp>
+      <p:sp>
+        <p:nvSpPr>
+          <p:cNvPr id="2" name="Заголовок 1"/>
+          <p:cNvSpPr>
+            <a:spLocks noGrp="1"/>
+          </p:cNvSpPr>
+          <p:nvPr>
+            <p:ph type="title"/>
+          </p:nvPr>
+        </p:nvSpPr>
+        <p:spPr bwMode="auto">
+          <a:xfrm>
+            <a:off x="609600" y="274638"/>
+            <a:ext cx="10972800" cy="1143000"/>
           </a:xfrm>
           <a:prstGeom prst="rect">
             <a:avLst/>
@@ -2670,16 +3570,16 @@
               <a:defRPr/>
             </a:pPr>
             <a:r>
-              <a:rPr lang="en-US"/>
-              <a:t>Click to edit Master title style</a:t>
-            </a:r>
-            <a:endParaRPr lang="en-US"/>
-          </a:p>
-        </p:txBody>
-      </p:sp>
-      <p:sp>
-        <p:nvSpPr>
-          <p:cNvPr id="3" name="Text Placeholder 2"/>
+              <a:rPr lang="ru-RU"/>
+              <a:t>Образец заголовка</a:t>
+            </a:r>
+            <a:endParaRPr lang="ru-RU"/>
+          </a:p>
+        </p:txBody>
+      </p:sp>
+      <p:sp>
+        <p:nvSpPr>
+          <p:cNvPr id="3" name="Текст 2"/>
           <p:cNvSpPr>
             <a:spLocks noGrp="1"/>
           </p:cNvSpPr>
@@ -2689,8 +3589,8 @@
         </p:nvSpPr>
         <p:spPr bwMode="auto">
           <a:xfrm>
-            <a:off x="838200" y="1825625"/>
-            <a:ext cx="10515600" cy="4351338"/>
+            <a:off x="609600" y="1600201"/>
+            <a:ext cx="10972800" cy="4525962"/>
           </a:xfrm>
           <a:prstGeom prst="rect">
             <a:avLst/>
@@ -2706,8 +3606,8 @@
               <a:defRPr/>
             </a:pPr>
             <a:r>
-              <a:rPr lang="en-US"/>
-              <a:t>Click to edit Master text styles</a:t>
+              <a:rPr lang="ru-RU"/>
+              <a:t>Образец текста</a:t>
             </a:r>
             <a:endParaRPr/>
           </a:p>
@@ -2716,8 +3616,8 @@
               <a:defRPr/>
             </a:pPr>
             <a:r>
-              <a:rPr lang="en-US"/>
-              <a:t>Second level</a:t>
+              <a:rPr lang="ru-RU"/>
+              <a:t>Второй уровень</a:t>
             </a:r>
             <a:endParaRPr/>
           </a:p>
@@ -2726,8 +3626,8 @@
               <a:defRPr/>
             </a:pPr>
             <a:r>
-              <a:rPr lang="en-US"/>
-              <a:t>Third level</a:t>
+              <a:rPr lang="ru-RU"/>
+              <a:t>Третий уровень</a:t>
             </a:r>
             <a:endParaRPr/>
           </a:p>
@@ -2736,8 +3636,8 @@
               <a:defRPr/>
             </a:pPr>
             <a:r>
-              <a:rPr lang="en-US"/>
-              <a:t>Fourth level</a:t>
+              <a:rPr lang="ru-RU"/>
+              <a:t>Четвертый уровень</a:t>
             </a:r>
             <a:endParaRPr/>
           </a:p>
@@ -2746,16 +3646,16 @@
               <a:defRPr/>
             </a:pPr>
             <a:r>
-              <a:rPr lang="en-US"/>
-              <a:t>Fifth level</a:t>
-            </a:r>
-            <a:endParaRPr lang="en-US"/>
-          </a:p>
-        </p:txBody>
-      </p:sp>
-      <p:sp>
-        <p:nvSpPr>
-          <p:cNvPr id="4" name="Date Placeholder 3"/>
+              <a:rPr lang="ru-RU"/>
+              <a:t>Пятый уровень</a:t>
+            </a:r>
+            <a:endParaRPr lang="ru-RU"/>
+          </a:p>
+        </p:txBody>
+      </p:sp>
+      <p:sp>
+        <p:nvSpPr>
+          <p:cNvPr id="4" name="Дата 3"/>
           <p:cNvSpPr>
             <a:spLocks noGrp="1"/>
           </p:cNvSpPr>
@@ -2765,8 +3665,8 @@
         </p:nvSpPr>
         <p:spPr bwMode="auto">
           <a:xfrm>
-            <a:off x="838200" y="6356350"/>
-            <a:ext cx="2743200" cy="365125"/>
+            <a:off x="609600" y="6356352"/>
+            <a:ext cx="2844800" cy="365125"/>
           </a:xfrm>
           <a:prstGeom prst="rect">
             <a:avLst/>
@@ -2789,17 +3689,17 @@
             <a:pPr>
               <a:defRPr/>
             </a:pPr>
-            <a:fld id="{BCC18F51-09EC-435C-A3BA-64A766E099C0}" type="datetimeFigureOut">
-              <a:rPr lang="en-US"/>
+            <a:fld id="{A69D51E0-3758-456B-809F-07B187805C7D}" type="datetimeFigureOut">
+              <a:rPr lang="ru-RU"/>
               <a:t/>
             </a:fld>
-            <a:endParaRPr lang="en-US"/>
-          </a:p>
-        </p:txBody>
-      </p:sp>
-      <p:sp>
-        <p:nvSpPr>
-          <p:cNvPr id="5" name="Footer Placeholder 4"/>
+            <a:endParaRPr lang="ru-RU"/>
+          </a:p>
+        </p:txBody>
+      </p:sp>
+      <p:sp>
+        <p:nvSpPr>
+          <p:cNvPr id="5" name="Нижний колонтитул 4"/>
           <p:cNvSpPr>
             <a:spLocks noGrp="1"/>
           </p:cNvSpPr>
@@ -2809,8 +3709,8 @@
         </p:nvSpPr>
         <p:spPr bwMode="auto">
           <a:xfrm>
-            <a:off x="4038600" y="6356350"/>
-            <a:ext cx="4114800" cy="365125"/>
+            <a:off x="4165600" y="6356352"/>
+            <a:ext cx="3860800" cy="365125"/>
           </a:xfrm>
           <a:prstGeom prst="rect">
             <a:avLst/>
@@ -2833,13 +3733,13 @@
             <a:pPr>
               <a:defRPr/>
             </a:pPr>
-            <a:endParaRPr lang="en-US"/>
-          </a:p>
-        </p:txBody>
-      </p:sp>
-      <p:sp>
-        <p:nvSpPr>
-          <p:cNvPr id="6" name="Slide Number Placeholder 5"/>
+            <a:endParaRPr lang="ru-RU"/>
+          </a:p>
+        </p:txBody>
+      </p:sp>
+      <p:sp>
+        <p:nvSpPr>
+          <p:cNvPr id="6" name="Номер слайда 5"/>
           <p:cNvSpPr>
             <a:spLocks noGrp="1"/>
           </p:cNvSpPr>
@@ -2849,8 +3749,8 @@
         </p:nvSpPr>
         <p:spPr bwMode="auto">
           <a:xfrm>
-            <a:off x="8610600" y="6356350"/>
-            <a:ext cx="2743200" cy="365125"/>
+            <a:off x="8737600" y="6356352"/>
+            <a:ext cx="2844800" cy="365125"/>
           </a:xfrm>
           <a:prstGeom prst="rect">
             <a:avLst/>
@@ -2873,11 +3773,11 @@
             <a:pPr>
               <a:defRPr/>
             </a:pPr>
-            <a:fld id="{08395586-F03A-48D1-94DF-16B239DF4FB5}" type="slidenum">
-              <a:rPr lang="en-US"/>
+            <a:fld id="{4D3B38E7-149F-4D77-9EEF-9309C2CB69A9}" type="slidenum">
+              <a:rPr lang="ru-RU"/>
               <a:t/>
             </a:fld>
-            <a:endParaRPr lang="en-US"/>
+            <a:endParaRPr lang="ru-RU"/>
           </a:p>
         </p:txBody>
       </p:sp>
@@ -2897,19 +3797,20 @@
     <p:sldLayoutId id="2147483658" r:id="rId10"/>
     <p:sldLayoutId id="2147483659" r:id="rId11"/>
   </p:sldLayoutIdLst>
+  <p:hf dt="0" ftr="0" hdr="0" sldNum="0"/>
   <p:txStyles>
     <p:titleStyle>
-      <a:lvl1pPr algn="l" defTabSz="914400">
-        <a:lnSpc>
-          <a:spcPct val="90000"/>
-        </a:lnSpc>
+      <a:lvl1pPr algn="r" defTabSz="914400">
         <a:spcBef>
           <a:spcPts val="0"/>
         </a:spcBef>
         <a:buNone/>
         <a:defRPr sz="4400">
           <a:solidFill>
-            <a:schemeClr val="tx1"/>
+            <a:schemeClr val="tx1">
+              <a:lumMod val="65000"/>
+              <a:lumOff val="35000"/>
+            </a:schemeClr>
           </a:solidFill>
           <a:latin typeface="+mj-lt"/>
           <a:ea typeface="+mj-ea"/>
@@ -2918,36 +3819,36 @@
       </a:lvl1pPr>
     </p:titleStyle>
     <p:bodyStyle>
-      <a:lvl1pPr marL="228600" indent="-228600" algn="l" defTabSz="914400">
-        <a:lnSpc>
-          <a:spcPct val="90000"/>
-        </a:lnSpc>
+      <a:lvl1pPr marL="342900" indent="-342900" algn="l" defTabSz="914400">
         <a:spcBef>
-          <a:spcPts val="1000"/>
+          <a:spcPts val="0"/>
         </a:spcBef>
         <a:buFont typeface="Arial"/>
         <a:buChar char="•"/>
-        <a:defRPr sz="2800">
+        <a:defRPr sz="3200">
           <a:solidFill>
-            <a:schemeClr val="tx1"/>
+            <a:schemeClr val="tx1">
+              <a:lumMod val="75000"/>
+              <a:lumOff val="25000"/>
+            </a:schemeClr>
           </a:solidFill>
           <a:latin typeface="+mn-lt"/>
           <a:ea typeface="+mn-ea"/>
           <a:cs typeface="+mn-cs"/>
         </a:defRPr>
       </a:lvl1pPr>
-      <a:lvl2pPr marL="685800" indent="-228600" algn="l" defTabSz="914400">
-        <a:lnSpc>
-          <a:spcPct val="90000"/>
-        </a:lnSpc>
+      <a:lvl2pPr marL="742950" indent="-285750" algn="l" defTabSz="914400">
         <a:spcBef>
-          <a:spcPts val="500"/>
+          <a:spcPts val="0"/>
         </a:spcBef>
         <a:buFont typeface="Arial"/>
-        <a:buChar char="•"/>
-        <a:defRPr sz="2400">
+        <a:buChar char="–"/>
+        <a:defRPr sz="2800">
           <a:solidFill>
-            <a:schemeClr val="tx1"/>
+            <a:schemeClr val="tx1">
+              <a:lumMod val="75000"/>
+              <a:lumOff val="25000"/>
+            </a:schemeClr>
           </a:solidFill>
           <a:latin typeface="+mn-lt"/>
           <a:ea typeface="+mn-ea"/>
@@ -2955,11 +3856,62 @@
         </a:defRPr>
       </a:lvl2pPr>
       <a:lvl3pPr marL="1143000" indent="-228600" algn="l" defTabSz="914400">
-        <a:lnSpc>
-          <a:spcPct val="90000"/>
-        </a:lnSpc>
         <a:spcBef>
-          <a:spcPts val="500"/>
+          <a:spcPts val="0"/>
+        </a:spcBef>
+        <a:buFont typeface="Arial"/>
+        <a:buChar char="•"/>
+        <a:defRPr sz="2400">
+          <a:solidFill>
+            <a:schemeClr val="tx1">
+              <a:lumMod val="75000"/>
+              <a:lumOff val="25000"/>
+            </a:schemeClr>
+          </a:solidFill>
+          <a:latin typeface="+mn-lt"/>
+          <a:ea typeface="+mn-ea"/>
+          <a:cs typeface="+mn-cs"/>
+        </a:defRPr>
+      </a:lvl3pPr>
+      <a:lvl4pPr marL="1600200" indent="-228600" algn="l" defTabSz="914400">
+        <a:spcBef>
+          <a:spcPts val="0"/>
+        </a:spcBef>
+        <a:buFont typeface="Arial"/>
+        <a:buChar char="–"/>
+        <a:defRPr sz="2000">
+          <a:solidFill>
+            <a:schemeClr val="tx1">
+              <a:lumMod val="75000"/>
+              <a:lumOff val="25000"/>
+            </a:schemeClr>
+          </a:solidFill>
+          <a:latin typeface="+mn-lt"/>
+          <a:ea typeface="+mn-ea"/>
+          <a:cs typeface="+mn-cs"/>
+        </a:defRPr>
+      </a:lvl4pPr>
+      <a:lvl5pPr marL="2057400" indent="-228600" algn="l" defTabSz="914400">
+        <a:spcBef>
+          <a:spcPts val="0"/>
+        </a:spcBef>
+        <a:buFont typeface="Arial"/>
+        <a:buChar char="»"/>
+        <a:defRPr sz="2000">
+          <a:solidFill>
+            <a:schemeClr val="tx1">
+              <a:lumMod val="75000"/>
+              <a:lumOff val="25000"/>
+            </a:schemeClr>
+          </a:solidFill>
+          <a:latin typeface="+mn-lt"/>
+          <a:ea typeface="+mn-ea"/>
+          <a:cs typeface="+mn-cs"/>
+        </a:defRPr>
+      </a:lvl5pPr>
+      <a:lvl6pPr marL="2514600" indent="-228600" algn="l" defTabSz="914400">
+        <a:spcBef>
+          <a:spcPts val="0"/>
         </a:spcBef>
         <a:buFont typeface="Arial"/>
         <a:buChar char="•"/>
@@ -2971,71 +3923,14 @@
           <a:ea typeface="+mn-ea"/>
           <a:cs typeface="+mn-cs"/>
         </a:defRPr>
-      </a:lvl3pPr>
-      <a:lvl4pPr marL="1600200" indent="-228600" algn="l" defTabSz="914400">
-        <a:lnSpc>
-          <a:spcPct val="90000"/>
-        </a:lnSpc>
+      </a:lvl6pPr>
+      <a:lvl7pPr marL="2971800" indent="-228600" algn="l" defTabSz="914400">
         <a:spcBef>
-          <a:spcPts val="500"/>
+          <a:spcPts val="0"/>
         </a:spcBef>
         <a:buFont typeface="Arial"/>
         <a:buChar char="•"/>
-        <a:defRPr sz="1800">
-          <a:solidFill>
-            <a:schemeClr val="tx1"/>
-          </a:solidFill>
-          <a:latin typeface="+mn-lt"/>
-          <a:ea typeface="+mn-ea"/>
-          <a:cs typeface="+mn-cs"/>
-        </a:defRPr>
-      </a:lvl4pPr>
-      <a:lvl5pPr marL="2057400" indent="-228600" algn="l" defTabSz="914400">
-        <a:lnSpc>
-          <a:spcPct val="90000"/>
-        </a:lnSpc>
-        <a:spcBef>
-          <a:spcPts val="500"/>
-        </a:spcBef>
-        <a:buFont typeface="Arial"/>
-        <a:buChar char="•"/>
-        <a:defRPr sz="1800">
-          <a:solidFill>
-            <a:schemeClr val="tx1"/>
-          </a:solidFill>
-          <a:latin typeface="+mn-lt"/>
-          <a:ea typeface="+mn-ea"/>
-          <a:cs typeface="+mn-cs"/>
-        </a:defRPr>
-      </a:lvl5pPr>
-      <a:lvl6pPr marL="2514600" indent="-228600" algn="l" defTabSz="914400">
-        <a:lnSpc>
-          <a:spcPct val="90000"/>
-        </a:lnSpc>
-        <a:spcBef>
-          <a:spcPts val="500"/>
-        </a:spcBef>
-        <a:buFont typeface="Arial"/>
-        <a:buChar char="•"/>
-        <a:defRPr sz="1800">
-          <a:solidFill>
-            <a:schemeClr val="tx1"/>
-          </a:solidFill>
-          <a:latin typeface="+mn-lt"/>
-          <a:ea typeface="+mn-ea"/>
-          <a:cs typeface="+mn-cs"/>
-        </a:defRPr>
-      </a:lvl6pPr>
-      <a:lvl7pPr marL="2971800" indent="-228600" algn="l" defTabSz="914400">
-        <a:lnSpc>
-          <a:spcPct val="90000"/>
-        </a:lnSpc>
-        <a:spcBef>
-          <a:spcPts val="500"/>
-        </a:spcBef>
-        <a:buFont typeface="Arial"/>
-        <a:buChar char="•"/>
-        <a:defRPr sz="1800">
+        <a:defRPr sz="2000">
           <a:solidFill>
             <a:schemeClr val="tx1"/>
           </a:solidFill>
@@ -3045,15 +3940,12 @@
         </a:defRPr>
       </a:lvl7pPr>
       <a:lvl8pPr marL="3429000" indent="-228600" algn="l" defTabSz="914400">
-        <a:lnSpc>
-          <a:spcPct val="90000"/>
-        </a:lnSpc>
         <a:spcBef>
-          <a:spcPts val="500"/>
+          <a:spcPts val="0"/>
         </a:spcBef>
         <a:buFont typeface="Arial"/>
         <a:buChar char="•"/>
-        <a:defRPr sz="1800">
+        <a:defRPr sz="2000">
           <a:solidFill>
             <a:schemeClr val="tx1"/>
           </a:solidFill>
@@ -3063,15 +3955,12 @@
         </a:defRPr>
       </a:lvl8pPr>
       <a:lvl9pPr marL="3886200" indent="-228600" algn="l" defTabSz="914400">
-        <a:lnSpc>
-          <a:spcPct val="90000"/>
-        </a:lnSpc>
         <a:spcBef>
-          <a:spcPts val="500"/>
+          <a:spcPts val="0"/>
         </a:spcBef>
         <a:buFont typeface="Arial"/>
         <a:buChar char="•"/>
-        <a:defRPr sz="1800">
+        <a:defRPr sz="2000">
           <a:solidFill>
             <a:schemeClr val="tx1"/>
           </a:solidFill>
@@ -3083,7 +3972,7 @@
     </p:bodyStyle>
     <p:otherStyle>
       <a:defPPr>
-        <a:defRPr lang="en-US"/>
+        <a:defRPr lang="ru-RU"/>
       </a:defPPr>
       <a:lvl1pPr marL="0" algn="l" defTabSz="914400">
         <a:defRPr sz="1800">
@@ -3199,102 +4088,375 @@
       </p:grpSpPr>
       <p:sp>
         <p:nvSpPr>
-          <p:cNvPr id="2" name="Title 1"/>
-          <p:cNvSpPr>
-            <a:spLocks noGrp="1"/>
-          </p:cNvSpPr>
-          <p:nvPr>
-            <p:ph type="ctrTitle"/>
+          <p:cNvPr id="901965482" name="Title 1"/>
+          <p:cNvSpPr>
+            <a:spLocks noGrp="1"/>
+          </p:cNvSpPr>
+          <p:nvPr>
+            <p:ph type="title"/>
           </p:nvPr>
         </p:nvSpPr>
         <p:spPr bwMode="auto"/>
         <p:txBody>
-          <a:bodyPr/>
+          <a:bodyPr vertOverflow="overflow" horzOverflow="overflow" vert="horz" wrap="square" lIns="91440" tIns="45720" rIns="91440" bIns="45720" numCol="1" spcCol="0" rtlCol="0" fromWordArt="0" anchor="ctr" anchorCtr="0" forceAA="0" upright="0" compatLnSpc="0">
+            <a:normAutofit/>
+          </a:bodyPr>
           <a:lstStyle/>
           <a:p>
+            <a:pPr algn="ctr">
+              <a:defRPr/>
+            </a:pPr>
+            <a:r>
+              <a:rPr lang="en-US" sz="2200" b="0" i="0" u="none" strike="noStrike" cap="none" spc="0">
+                <a:solidFill>
+                  <a:schemeClr val="tx1"/>
+                </a:solidFill>
+                <a:latin typeface="Times New Roman"/>
+                <a:ea typeface="Arial"/>
+                <a:cs typeface="Times New Roman"/>
+              </a:rPr>
+              <a:t>Лицей </a:t>
+            </a:r>
+            <a:r>
+              <a:rPr lang="en-US" sz="2200" b="0" i="0" u="none" strike="noStrike" cap="none" spc="0">
+                <a:solidFill>
+                  <a:schemeClr val="tx1"/>
+                </a:solidFill>
+                <a:latin typeface="Times New Roman"/>
+                <a:ea typeface="Arial"/>
+                <a:cs typeface="Times New Roman"/>
+              </a:rPr>
+              <a:t>Академии Яндекс</a:t>
+            </a:r>
+            <a:endParaRPr sz="4400" u="none">
+              <a:solidFill>
+                <a:schemeClr val="tx1"/>
+              </a:solidFill>
+            </a:endParaRPr>
+          </a:p>
+          <a:p>
             <a:pPr>
               <a:defRPr/>
             </a:pPr>
-            <a:endParaRPr lang="en-US"/>
-          </a:p>
-        </p:txBody>
-      </p:sp>
-      <p:sp>
-        <p:nvSpPr>
-          <p:cNvPr id="3" name="Subtitle 2"/>
-          <p:cNvSpPr>
-            <a:spLocks noGrp="1"/>
-          </p:cNvSpPr>
-          <p:nvPr>
-            <p:ph type="subTitle" idx="1"/>
-          </p:nvPr>
-        </p:nvSpPr>
-        <p:spPr bwMode="auto"/>
-        <p:txBody>
-          <a:bodyPr/>
-          <a:lstStyle/>
-          <a:p>
-            <a:pPr>
-              <a:defRPr/>
-            </a:pPr>
-            <a:endParaRPr lang="en-US"/>
-          </a:p>
-        </p:txBody>
-      </p:sp>
-      <p:sp>
-        <p:nvSpPr>
-          <p:cNvPr id="2014414586" name=""/>
-          <p:cNvSpPr txBox="1"/>
-          <p:nvPr/>
+            <a:endParaRPr/>
+          </a:p>
+        </p:txBody>
+      </p:sp>
+      <p:sp>
+        <p:nvSpPr>
+          <p:cNvPr id="868870625" name="Content Placeholder 2"/>
+          <p:cNvSpPr>
+            <a:spLocks noGrp="1"/>
+          </p:cNvSpPr>
+          <p:nvPr>
+            <p:ph idx="1"/>
+          </p:nvPr>
         </p:nvSpPr>
         <p:spPr bwMode="auto">
-          <a:xfrm flipH="0" flipV="0">
-            <a:off x="198189" y="5353706"/>
-            <a:ext cx="6576164" cy="366119"/>
-          </a:xfrm>
           <a:prstGeom prst="rect">
             <a:avLst/>
           </a:prstGeom>
-          <a:noFill/>
+          <a:ln>
+            <a:noFill/>
+          </a:ln>
         </p:spPr>
         <p:txBody>
-          <a:bodyPr vertOverflow="overflow" horzOverflow="overflow" vert="horz" wrap="square" lIns="91440" tIns="45720" rIns="91440" bIns="45720" numCol="1" spcCol="0" rtlCol="0" fromWordArt="0" anchor="t" anchorCtr="0" forceAA="0" upright="0" compatLnSpc="0">
-            <a:spAutoFit/>
-          </a:bodyPr>
-          <a:p>
-            <a:pPr>
-              <a:defRPr/>
-            </a:pPr>
-            <a:r>
-              <a:rPr/>
-              <a:t>Окно регистрации</a:t>
-            </a:r>
-            <a:endParaRPr/>
-          </a:p>
-        </p:txBody>
-      </p:sp>
-      <p:pic>
-        <p:nvPicPr>
-          <p:cNvPr id="1377161087" name=""/>
-          <p:cNvPicPr>
-            <a:picLocks noChangeAspect="1"/>
-          </p:cNvPicPr>
-          <p:nvPr/>
-        </p:nvPicPr>
-        <p:blipFill>
-          <a:blip r:embed="rId2"/>
-          <a:stretch/>
-        </p:blipFill>
-        <p:spPr bwMode="auto">
-          <a:xfrm flipH="0" flipV="0">
-            <a:off x="-54741" y="0"/>
-            <a:ext cx="12208448" cy="5353706"/>
-          </a:xfrm>
-          <a:prstGeom prst="rect">
-            <a:avLst/>
-          </a:prstGeom>
-        </p:spPr>
-      </p:pic>
+          <a:bodyPr/>
+          <a:lstStyle/>
+          <a:p>
+            <a:pPr marL="0" indent="0" algn="ctr">
+              <a:buFont typeface="Arial"/>
+              <a:buNone/>
+              <a:defRPr/>
+            </a:pPr>
+            <a:r>
+              <a:rPr lang="en-US" sz="2000" b="0" i="0" u="none" strike="noStrike" cap="none" spc="0">
+                <a:solidFill>
+                  <a:schemeClr val="tx1"/>
+                </a:solidFill>
+                <a:latin typeface="Times New Roman"/>
+                <a:ea typeface="Times New Roman"/>
+                <a:cs typeface="Times New Roman"/>
+              </a:rPr>
+              <a:t>Основы </a:t>
+            </a:r>
+            <a:r>
+              <a:rPr lang="en-US" sz="2000" b="0" i="0" u="none" strike="noStrike" cap="none" spc="0">
+                <a:solidFill>
+                  <a:schemeClr val="tx1"/>
+                </a:solidFill>
+                <a:latin typeface="Times New Roman"/>
+                <a:ea typeface="Times New Roman"/>
+                <a:cs typeface="Times New Roman"/>
+              </a:rPr>
+              <a:t>промышленного программирования Д23</a:t>
+            </a:r>
+            <a:endParaRPr sz="2000">
+              <a:latin typeface="Times New Roman"/>
+              <a:cs typeface="Times New Roman"/>
+            </a:endParaRPr>
+          </a:p>
+          <a:p>
+            <a:pPr marL="0" indent="0" algn="ctr">
+              <a:buFont typeface="Arial"/>
+              <a:buNone/>
+              <a:defRPr/>
+            </a:pPr>
+            <a:endParaRPr sz="2000">
+              <a:latin typeface="Times New Roman"/>
+              <a:cs typeface="Times New Roman"/>
+            </a:endParaRPr>
+          </a:p>
+          <a:p>
+            <a:pPr marL="0" indent="0" algn="ctr">
+              <a:buFont typeface="Arial"/>
+              <a:buNone/>
+              <a:defRPr/>
+            </a:pPr>
+            <a:r>
+              <a:rPr sz="2000" b="0">
+                <a:solidFill>
+                  <a:schemeClr val="tx1"/>
+                </a:solidFill>
+                <a:latin typeface="Times New Roman"/>
+                <a:cs typeface="Times New Roman"/>
+              </a:rPr>
+              <a:t>Защита проекта на тему: “</a:t>
+            </a:r>
+            <a:r>
+              <a:rPr lang="en-US" sz="2000" b="0" i="0" u="none" strike="noStrike" cap="none" spc="0">
+                <a:solidFill>
+                  <a:schemeClr val="tx1"/>
+                </a:solidFill>
+                <a:latin typeface="Times New Roman"/>
+                <a:cs typeface="Times New Roman"/>
+              </a:rPr>
+              <a:t>WebServer + API</a:t>
+            </a:r>
+            <a:r>
+              <a:rPr sz="2000" b="0">
+                <a:solidFill>
+                  <a:schemeClr val="tx1"/>
+                </a:solidFill>
+                <a:latin typeface="Times New Roman"/>
+                <a:cs typeface="Times New Roman"/>
+              </a:rPr>
+              <a:t>”</a:t>
+            </a:r>
+            <a:endParaRPr sz="2000" b="0">
+              <a:solidFill>
+                <a:schemeClr val="tx1"/>
+              </a:solidFill>
+              <a:latin typeface="Times New Roman"/>
+              <a:cs typeface="Times New Roman"/>
+            </a:endParaRPr>
+          </a:p>
+          <a:p>
+            <a:pPr marL="0" indent="0" algn="ctr">
+              <a:buFont typeface="Arial"/>
+              <a:buNone/>
+              <a:defRPr/>
+            </a:pPr>
+            <a:endParaRPr sz="2000" b="0">
+              <a:solidFill>
+                <a:schemeClr val="tx1"/>
+              </a:solidFill>
+              <a:latin typeface="Times New Roman"/>
+              <a:cs typeface="Times New Roman"/>
+            </a:endParaRPr>
+          </a:p>
+          <a:p>
+            <a:pPr marL="0" indent="0" algn="r">
+              <a:buFont typeface="Arial"/>
+              <a:buNone/>
+              <a:defRPr/>
+            </a:pPr>
+            <a:r>
+              <a:rPr sz="2000" b="0">
+                <a:solidFill>
+                  <a:schemeClr val="tx1"/>
+                </a:solidFill>
+                <a:latin typeface="Times New Roman"/>
+                <a:cs typeface="Times New Roman"/>
+              </a:rPr>
+              <a:t>Выполнил:</a:t>
+            </a:r>
+            <a:endParaRPr sz="2000" b="0">
+              <a:solidFill>
+                <a:schemeClr val="tx1"/>
+              </a:solidFill>
+              <a:latin typeface="Times New Roman"/>
+              <a:cs typeface="Times New Roman"/>
+            </a:endParaRPr>
+          </a:p>
+          <a:p>
+            <a:pPr marL="0" indent="0" algn="r">
+              <a:buFont typeface="Arial"/>
+              <a:buNone/>
+              <a:defRPr/>
+            </a:pPr>
+            <a:r>
+              <a:rPr sz="2000" b="0">
+                <a:solidFill>
+                  <a:schemeClr val="tx1"/>
+                </a:solidFill>
+                <a:latin typeface="Times New Roman"/>
+                <a:cs typeface="Times New Roman"/>
+              </a:rPr>
+              <a:t>Ученик курса</a:t>
+            </a:r>
+            <a:endParaRPr sz="2000" b="0">
+              <a:solidFill>
+                <a:schemeClr val="tx1"/>
+              </a:solidFill>
+              <a:latin typeface="Times New Roman"/>
+              <a:cs typeface="Times New Roman"/>
+            </a:endParaRPr>
+          </a:p>
+          <a:p>
+            <a:pPr marL="0" indent="0" algn="r">
+              <a:buFont typeface="Arial"/>
+              <a:buNone/>
+              <a:defRPr/>
+            </a:pPr>
+            <a:r>
+              <a:rPr sz="2000" b="0">
+                <a:solidFill>
+                  <a:schemeClr val="tx1"/>
+                </a:solidFill>
+                <a:latin typeface="Times New Roman"/>
+                <a:cs typeface="Times New Roman"/>
+              </a:rPr>
+              <a:t>	</a:t>
+            </a:r>
+            <a:r>
+              <a:rPr sz="2000" b="0">
+                <a:solidFill>
+                  <a:schemeClr val="tx1"/>
+                </a:solidFill>
+                <a:latin typeface="Times New Roman"/>
+                <a:cs typeface="Times New Roman"/>
+              </a:rPr>
+              <a:t>Цырулев Александр Алексеевич</a:t>
+            </a:r>
+            <a:endParaRPr sz="2000" b="0">
+              <a:solidFill>
+                <a:schemeClr val="tx1"/>
+              </a:solidFill>
+              <a:latin typeface="Times New Roman"/>
+              <a:cs typeface="Times New Roman"/>
+            </a:endParaRPr>
+          </a:p>
+          <a:p>
+            <a:pPr marL="0" indent="0" algn="r">
+              <a:buFont typeface="Arial"/>
+              <a:buNone/>
+              <a:defRPr/>
+            </a:pPr>
+            <a:endParaRPr sz="2000" b="0">
+              <a:solidFill>
+                <a:schemeClr val="tx1"/>
+              </a:solidFill>
+              <a:latin typeface="Times New Roman"/>
+              <a:cs typeface="Times New Roman"/>
+            </a:endParaRPr>
+          </a:p>
+          <a:p>
+            <a:pPr marL="0" indent="0" algn="r">
+              <a:buFont typeface="Arial"/>
+              <a:buNone/>
+              <a:defRPr/>
+            </a:pPr>
+            <a:endParaRPr sz="2000" b="0">
+              <a:solidFill>
+                <a:schemeClr val="tx1"/>
+              </a:solidFill>
+              <a:latin typeface="Times New Roman"/>
+              <a:cs typeface="Times New Roman"/>
+            </a:endParaRPr>
+          </a:p>
+          <a:p>
+            <a:pPr marL="0" indent="0" algn="r">
+              <a:buFont typeface="Arial"/>
+              <a:buNone/>
+              <a:defRPr/>
+            </a:pPr>
+            <a:endParaRPr sz="2000" b="0">
+              <a:solidFill>
+                <a:schemeClr val="tx1"/>
+              </a:solidFill>
+              <a:latin typeface="Times New Roman"/>
+              <a:cs typeface="Times New Roman"/>
+            </a:endParaRPr>
+          </a:p>
+          <a:p>
+            <a:pPr marL="0" indent="0" algn="r">
+              <a:buFont typeface="Arial"/>
+              <a:buNone/>
+              <a:defRPr/>
+            </a:pPr>
+            <a:endParaRPr sz="2000" b="0">
+              <a:solidFill>
+                <a:schemeClr val="tx1"/>
+              </a:solidFill>
+              <a:latin typeface="Times New Roman"/>
+              <a:cs typeface="Times New Roman"/>
+            </a:endParaRPr>
+          </a:p>
+          <a:p>
+            <a:pPr marL="0" indent="0" algn="r">
+              <a:buFont typeface="Arial"/>
+              <a:buNone/>
+              <a:defRPr/>
+            </a:pPr>
+            <a:endParaRPr sz="2000" b="0">
+              <a:solidFill>
+                <a:schemeClr val="tx1"/>
+              </a:solidFill>
+              <a:latin typeface="Times New Roman"/>
+              <a:cs typeface="Times New Roman"/>
+            </a:endParaRPr>
+          </a:p>
+          <a:p>
+            <a:pPr marL="0" indent="0" algn="r">
+              <a:buFont typeface="Arial"/>
+              <a:buNone/>
+              <a:defRPr/>
+            </a:pPr>
+            <a:endParaRPr sz="2000" b="0">
+              <a:solidFill>
+                <a:schemeClr val="tx1"/>
+              </a:solidFill>
+              <a:latin typeface="Times New Roman"/>
+              <a:cs typeface="Times New Roman"/>
+            </a:endParaRPr>
+          </a:p>
+          <a:p>
+            <a:pPr marL="0" indent="0" algn="ctr">
+              <a:buFont typeface="Arial"/>
+              <a:buNone/>
+              <a:defRPr/>
+            </a:pPr>
+            <a:r>
+              <a:rPr sz="2000" b="0">
+                <a:solidFill>
+                  <a:schemeClr val="tx1"/>
+                </a:solidFill>
+                <a:latin typeface="Times New Roman"/>
+                <a:cs typeface="Times New Roman"/>
+              </a:rPr>
+              <a:t>Тольятти, 2024</a:t>
+            </a:r>
+            <a:endParaRPr sz="2000" b="0">
+              <a:solidFill>
+                <a:schemeClr val="tx1"/>
+              </a:solidFill>
+              <a:latin typeface="Times New Roman"/>
+              <a:cs typeface="Times New Roman"/>
+            </a:endParaRPr>
+          </a:p>
+        </p:txBody>
+      </p:sp>
     </p:spTree>
   </p:cSld>
   <p:clrMapOvr>
@@ -3338,15 +4500,66 @@
             <p:ph type="ctrTitle"/>
           </p:nvPr>
         </p:nvSpPr>
-        <p:spPr bwMode="auto"/>
+        <p:spPr bwMode="auto">
+          <a:xfrm>
+            <a:off x="3419380" y="872280"/>
+            <a:ext cx="6720746" cy="720080"/>
+          </a:xfrm>
+        </p:spPr>
         <p:txBody>
           <a:bodyPr/>
           <a:lstStyle/>
           <a:p>
-            <a:pPr>
-              <a:defRPr/>
-            </a:pPr>
-            <a:endParaRPr lang="en-US"/>
+            <a:pPr algn="ctr">
+              <a:defRPr/>
+            </a:pPr>
+            <a:r>
+              <a:rPr lang="en-US" sz="2600">
+                <a:solidFill>
+                  <a:schemeClr val="tx1"/>
+                </a:solidFill>
+                <a:latin typeface="Times New Roman"/>
+                <a:cs typeface="Times New Roman"/>
+              </a:rPr>
+              <a:t>Зачем </a:t>
+            </a:r>
+            <a:r>
+              <a:rPr lang="en-US" sz="2600">
+                <a:solidFill>
+                  <a:schemeClr val="tx1"/>
+                </a:solidFill>
+                <a:latin typeface="Times New Roman"/>
+                <a:cs typeface="Times New Roman"/>
+              </a:rPr>
+              <a:t>он </a:t>
+            </a:r>
+            <a:r>
+              <a:rPr lang="en-US" sz="2800">
+                <a:solidFill>
+                  <a:schemeClr val="tx1"/>
+                </a:solidFill>
+                <a:latin typeface="Times New Roman"/>
+                <a:cs typeface="Times New Roman"/>
+              </a:rPr>
+              <a:t>н</a:t>
+            </a:r>
+            <a:r>
+              <a:rPr lang="en-US" sz="2600">
+                <a:solidFill>
+                  <a:schemeClr val="tx1"/>
+                </a:solidFill>
+                <a:latin typeface="Times New Roman"/>
+                <a:cs typeface="Times New Roman"/>
+              </a:rPr>
+              <a:t>ужен?</a:t>
+            </a:r>
+            <a:endParaRPr sz="2600">
+              <a:solidFill>
+                <a:schemeClr val="tx1"/>
+              </a:solidFill>
+              <a:latin typeface="Times New Roman"/>
+              <a:cs typeface="Times New Roman"/>
+            </a:endParaRPr>
           </a:p>
         </p:txBody>
       </p:sp>
@@ -3360,72 +4573,633 @@
             <p:ph type="subTitle" idx="1"/>
           </p:nvPr>
         </p:nvSpPr>
-        <p:spPr bwMode="auto"/>
+        <p:spPr bwMode="auto">
+          <a:xfrm flipH="0" flipV="0">
+            <a:off x="2617758" y="2621333"/>
+            <a:ext cx="8134568" cy="1944097"/>
+          </a:xfrm>
+        </p:spPr>
+        <p:txBody>
+          <a:bodyPr vertOverflow="overflow" horzOverflow="overflow" vert="horz" wrap="square" lIns="91440" tIns="45720" rIns="91440" bIns="45720" numCol="1" spcCol="0" rtlCol="0" fromWordArt="0" anchor="t" anchorCtr="0" forceAA="0" upright="0" compatLnSpc="0">
+            <a:normAutofit/>
+          </a:bodyPr>
+          <a:lstStyle/>
+          <a:p>
+            <a:pPr algn="l">
+              <a:defRPr/>
+            </a:pPr>
+            <a:r>
+              <a:rPr lang="en-US">
+                <a:solidFill>
+                  <a:schemeClr val="tx1"/>
+                </a:solidFill>
+                <a:latin typeface="Times New Roman"/>
+                <a:cs typeface="Times New Roman"/>
+              </a:rPr>
+              <a:t>Зачем лишний раз выходить из дома?</a:t>
+            </a:r>
+            <a:endParaRPr lang="en-US">
+              <a:solidFill>
+                <a:schemeClr val="tx1"/>
+              </a:solidFill>
+              <a:latin typeface="Times New Roman"/>
+              <a:cs typeface="Times New Roman"/>
+            </a:endParaRPr>
+          </a:p>
+          <a:p>
+            <a:pPr algn="l">
+              <a:defRPr/>
+            </a:pPr>
+            <a:r>
+              <a:rPr lang="en-US">
+                <a:solidFill>
+                  <a:schemeClr val="tx1"/>
+                </a:solidFill>
+                <a:latin typeface="Times New Roman"/>
+                <a:cs typeface="Times New Roman"/>
+              </a:rPr>
+              <a:t>В любой точке можно проверять магазин.</a:t>
+            </a:r>
+            <a:endParaRPr lang="en-US">
+              <a:solidFill>
+                <a:schemeClr val="tx1"/>
+              </a:solidFill>
+              <a:latin typeface="Times New Roman"/>
+              <a:cs typeface="Times New Roman"/>
+            </a:endParaRPr>
+          </a:p>
+          <a:p>
+            <a:pPr algn="l">
+              <a:defRPr/>
+            </a:pPr>
+            <a:endParaRPr>
+              <a:solidFill>
+                <a:schemeClr val="tx1"/>
+              </a:solidFill>
+              <a:latin typeface="Times New Roman"/>
+              <a:cs typeface="Times New Roman"/>
+            </a:endParaRPr>
+          </a:p>
+        </p:txBody>
+      </p:sp>
+    </p:spTree>
+  </p:cSld>
+  <p:clrMapOvr>
+    <a:masterClrMapping/>
+  </p:clrMapOvr>
+  <mc:AlternateContent xmlns:mc="http://schemas.openxmlformats.org/markup-compatibility/2006">
+    <mc:Choice xmlns:p14="http://schemas.microsoft.com/office/powerpoint/2010/main" Requires="p14">
+      <p:transition p14:dur="2000" advClick="1"/>
+    </mc:Choice>
+    <mc:Fallback>
+      <p:transition advClick="1"/>
+    </mc:Fallback>
+  </mc:AlternateContent>
+</p:sld>
+</file>
+
+<file path=ppt/slides/slide3.xml><?xml version="1.0" encoding="utf-8"?>
+<p:sld xmlns:a="http://schemas.openxmlformats.org/drawingml/2006/main" xmlns:r="http://schemas.openxmlformats.org/officeDocument/2006/relationships" xmlns:p="http://schemas.openxmlformats.org/presentationml/2006/main" xmlns:m="http://schemas.openxmlformats.org/officeDocument/2006/math" xmlns:w="http://schemas.openxmlformats.org/wordprocessingml/2006/main" showMasterPhAnim="0" show="1">
+  <p:cSld name="">
+    <p:spTree>
+      <p:nvGrpSpPr>
+        <p:cNvPr id="1" name=""/>
+        <p:cNvGrpSpPr/>
+        <p:nvPr/>
+      </p:nvGrpSpPr>
+      <p:grpSpPr bwMode="auto">
+        <a:xfrm>
+          <a:off x="0" y="0"/>
+          <a:ext cx="0" cy="0"/>
+          <a:chOff x="0" y="0"/>
+          <a:chExt cx="0" cy="0"/>
+        </a:xfrm>
+      </p:grpSpPr>
+      <p:sp>
+        <p:nvSpPr>
+          <p:cNvPr id="2" name="Title 1"/>
+          <p:cNvSpPr>
+            <a:spLocks noGrp="1"/>
+          </p:cNvSpPr>
+          <p:nvPr>
+            <p:ph type="ctrTitle"/>
+          </p:nvPr>
+        </p:nvSpPr>
+        <p:spPr bwMode="auto">
+          <a:xfrm>
+            <a:off x="2800316" y="155630"/>
+            <a:ext cx="6720746" cy="720080"/>
+          </a:xfrm>
+        </p:spPr>
         <p:txBody>
           <a:bodyPr/>
           <a:lstStyle/>
           <a:p>
-            <a:pPr>
-              <a:defRPr/>
-            </a:pPr>
-            <a:endParaRPr lang="en-US"/>
-          </a:p>
-        </p:txBody>
-      </p:sp>
-      <p:sp>
-        <p:nvSpPr>
-          <p:cNvPr id="1851508881" name=""/>
-          <p:cNvSpPr txBox="1"/>
-          <p:nvPr/>
+            <a:pPr algn="ctr">
+              <a:defRPr/>
+            </a:pPr>
+            <a:r>
+              <a:rPr lang="en-US" sz="2800">
+                <a:solidFill>
+                  <a:schemeClr val="tx1"/>
+                </a:solidFill>
+                <a:latin typeface="Times New Roman"/>
+                <a:cs typeface="Times New Roman"/>
+              </a:rPr>
+              <a:t>Как начать?</a:t>
+            </a:r>
+            <a:endParaRPr>
+              <a:solidFill>
+                <a:schemeClr val="tx1"/>
+              </a:solidFill>
+            </a:endParaRPr>
+          </a:p>
+        </p:txBody>
+      </p:sp>
+      <p:sp>
+        <p:nvSpPr>
+          <p:cNvPr id="3" name="Subtitle 2"/>
+          <p:cNvSpPr>
+            <a:spLocks noGrp="1"/>
+          </p:cNvSpPr>
+          <p:nvPr>
+            <p:ph type="subTitle" idx="1"/>
+          </p:nvPr>
         </p:nvSpPr>
         <p:spPr bwMode="auto">
           <a:xfrm flipH="0" flipV="0">
-            <a:off x="198189" y="5353706"/>
-            <a:ext cx="6578685" cy="366119"/>
+            <a:off x="6160689" y="2141239"/>
+            <a:ext cx="5850689" cy="3408660"/>
           </a:xfrm>
-          <a:prstGeom prst="rect">
-            <a:avLst/>
-          </a:prstGeom>
-          <a:noFill/>
         </p:spPr>
         <p:txBody>
           <a:bodyPr vertOverflow="overflow" horzOverflow="overflow" vert="horz" wrap="square" lIns="91440" tIns="45720" rIns="91440" bIns="45720" numCol="1" spcCol="0" rtlCol="0" fromWordArt="0" anchor="t" anchorCtr="0" forceAA="0" upright="0" compatLnSpc="0">
-            <a:spAutoFit/>
+            <a:normAutofit/>
           </a:bodyPr>
-          <a:p>
-            <a:pPr>
-              <a:defRPr/>
-            </a:pPr>
-            <a:r>
-              <a:rPr/>
-              <a:t>Окно входа</a:t>
-            </a:r>
-            <a:endParaRPr/>
-          </a:p>
-        </p:txBody>
-      </p:sp>
-      <p:pic>
-        <p:nvPicPr>
-          <p:cNvPr id="456895586" name=""/>
-          <p:cNvPicPr>
-            <a:picLocks noChangeAspect="1"/>
-          </p:cNvPicPr>
+          <a:lstStyle/>
+          <a:p>
+            <a:pPr algn="l">
+              <a:defRPr/>
+            </a:pPr>
+            <a:r>
+              <a:rPr lang="en-US">
+                <a:solidFill>
+                  <a:schemeClr val="tx1"/>
+                </a:solidFill>
+                <a:latin typeface="Times New Roman"/>
+                <a:cs typeface="Times New Roman"/>
+              </a:rPr>
+              <a:t>-Реги</a:t>
+            </a:r>
+            <a:r>
+              <a:rPr lang="en-US">
+                <a:solidFill>
+                  <a:schemeClr val="tx1"/>
+                </a:solidFill>
+                <a:latin typeface="Times New Roman"/>
+                <a:cs typeface="Times New Roman"/>
+              </a:rPr>
+              <a:t>страция</a:t>
+            </a:r>
+            <a:endParaRPr lang="en-US">
+              <a:solidFill>
+                <a:schemeClr val="tx1"/>
+              </a:solidFill>
+              <a:latin typeface="Times New Roman"/>
+              <a:cs typeface="Times New Roman"/>
+            </a:endParaRPr>
+          </a:p>
+          <a:p>
+            <a:pPr algn="l">
+              <a:defRPr/>
+            </a:pPr>
+            <a:r>
+              <a:rPr lang="en-US">
+                <a:solidFill>
+                  <a:schemeClr val="tx1"/>
+                </a:solidFill>
+                <a:latin typeface="Times New Roman"/>
+                <a:cs typeface="Times New Roman"/>
+              </a:rPr>
+              <a:t>-Вход</a:t>
+            </a:r>
+            <a:endParaRPr lang="en-US">
+              <a:solidFill>
+                <a:schemeClr val="tx1"/>
+              </a:solidFill>
+              <a:latin typeface="Times New Roman"/>
+              <a:cs typeface="Times New Roman"/>
+            </a:endParaRPr>
+          </a:p>
+          <a:p>
+            <a:pPr algn="l">
+              <a:defRPr/>
+            </a:pPr>
+            <a:r>
+              <a:rPr lang="en-US">
+                <a:solidFill>
+                  <a:schemeClr val="tx1"/>
+                </a:solidFill>
+                <a:latin typeface="Times New Roman"/>
+                <a:cs typeface="Times New Roman"/>
+              </a:rPr>
+              <a:t>-Заполнение данных аккаунта</a:t>
+            </a:r>
+            <a:endParaRPr sz="3200">
+              <a:solidFill>
+                <a:schemeClr val="tx1"/>
+              </a:solidFill>
+              <a:latin typeface="Times New Roman"/>
+              <a:cs typeface="Times New Roman"/>
+            </a:endParaRPr>
+          </a:p>
+          <a:p>
+            <a:pPr algn="l">
+              <a:defRPr/>
+            </a:pPr>
+            <a:r>
+              <a:rPr lang="en-US" sz="3200" b="0" i="0" u="none" strike="noStrike" cap="none" spc="0">
+                <a:solidFill>
+                  <a:schemeClr val="tx1"/>
+                </a:solidFill>
+                <a:latin typeface="Times New Roman"/>
+                <a:ea typeface="Times New Roman"/>
+                <a:cs typeface="Times New Roman"/>
+              </a:rPr>
+              <a:t>(по желанию)</a:t>
+            </a:r>
+            <a:endParaRPr sz="3200">
+              <a:solidFill>
+                <a:schemeClr val="tx1"/>
+              </a:solidFill>
+              <a:latin typeface="Times New Roman"/>
+              <a:cs typeface="Times New Roman"/>
+            </a:endParaRPr>
+          </a:p>
+          <a:p>
+            <a:pPr algn="l">
+              <a:defRPr/>
+            </a:pPr>
+            <a:r>
+              <a:rPr lang="en-US">
+                <a:solidFill>
+                  <a:schemeClr val="tx1"/>
+                </a:solidFill>
+                <a:latin typeface="Times New Roman"/>
+                <a:cs typeface="Times New Roman"/>
+              </a:rPr>
+              <a:t>-Просмотр магазинов</a:t>
+            </a:r>
+            <a:endParaRPr lang="en-US">
+              <a:solidFill>
+                <a:schemeClr val="tx1"/>
+              </a:solidFill>
+              <a:latin typeface="Times New Roman"/>
+              <a:cs typeface="Times New Roman"/>
+            </a:endParaRPr>
+          </a:p>
+        </p:txBody>
+      </p:sp>
+      <p:sp>
+        <p:nvSpPr>
+          <p:cNvPr id="920256492" name="Subtitle 2"/>
+          <p:cNvSpPr>
+            <a:spLocks noGrp="1"/>
+          </p:cNvSpPr>
           <p:nvPr/>
-        </p:nvPicPr>
-        <p:blipFill>
-          <a:blip r:embed="rId2"/>
-          <a:stretch/>
-        </p:blipFill>
+        </p:nvSpPr>
         <p:spPr bwMode="auto">
           <a:xfrm flipH="0" flipV="0">
-            <a:off x="198188" y="481723"/>
-            <a:ext cx="11211035" cy="4871982"/>
+            <a:off x="482844" y="2141239"/>
+            <a:ext cx="5677844" cy="3880312"/>
           </a:xfrm>
-          <a:prstGeom prst="rect">
-            <a:avLst/>
-          </a:prstGeom>
         </p:spPr>
-      </p:pic>
+        <p:txBody>
+          <a:bodyPr vertOverflow="overflow" horzOverflow="overflow" vert="horz" wrap="square" lIns="91440" tIns="45720" rIns="91440" bIns="45720" numCol="1" spcCol="0" rtlCol="0" fromWordArt="0" anchor="t" anchorCtr="0" forceAA="0" upright="0" compatLnSpc="0">
+            <a:normAutofit/>
+          </a:bodyPr>
+          <a:lstStyle>
+            <a:lvl1pPr marL="0" indent="0" algn="r" defTabSz="914400">
+              <a:spcBef>
+                <a:spcPts val="0"/>
+              </a:spcBef>
+              <a:buFont typeface="Arial"/>
+              <a:buNone/>
+              <a:defRPr sz="3200">
+                <a:solidFill>
+                  <a:schemeClr val="tx1">
+                    <a:lumMod val="50000"/>
+                    <a:lumOff val="50000"/>
+                  </a:schemeClr>
+                </a:solidFill>
+                <a:latin typeface="+mn-lt"/>
+                <a:ea typeface="+mn-ea"/>
+                <a:cs typeface="+mn-cs"/>
+              </a:defRPr>
+            </a:lvl1pPr>
+            <a:lvl2pPr marL="457200" indent="0" algn="ctr" defTabSz="914400">
+              <a:spcBef>
+                <a:spcPts val="0"/>
+              </a:spcBef>
+              <a:buFont typeface="Arial"/>
+              <a:buNone/>
+              <a:defRPr sz="2800">
+                <a:solidFill>
+                  <a:schemeClr val="tx1">
+                    <a:tint val="75000"/>
+                  </a:schemeClr>
+                </a:solidFill>
+                <a:latin typeface="+mn-lt"/>
+                <a:ea typeface="+mn-ea"/>
+                <a:cs typeface="+mn-cs"/>
+              </a:defRPr>
+            </a:lvl2pPr>
+            <a:lvl3pPr marL="914400" indent="0" algn="ctr" defTabSz="914400">
+              <a:spcBef>
+                <a:spcPts val="0"/>
+              </a:spcBef>
+              <a:buFont typeface="Arial"/>
+              <a:buNone/>
+              <a:defRPr sz="2400">
+                <a:solidFill>
+                  <a:schemeClr val="tx1">
+                    <a:tint val="75000"/>
+                  </a:schemeClr>
+                </a:solidFill>
+                <a:latin typeface="+mn-lt"/>
+                <a:ea typeface="+mn-ea"/>
+                <a:cs typeface="+mn-cs"/>
+              </a:defRPr>
+            </a:lvl3pPr>
+            <a:lvl4pPr marL="1371600" indent="0" algn="ctr" defTabSz="914400">
+              <a:spcBef>
+                <a:spcPts val="0"/>
+              </a:spcBef>
+              <a:buFont typeface="Arial"/>
+              <a:buNone/>
+              <a:defRPr sz="2000">
+                <a:solidFill>
+                  <a:schemeClr val="tx1">
+                    <a:tint val="75000"/>
+                  </a:schemeClr>
+                </a:solidFill>
+                <a:latin typeface="+mn-lt"/>
+                <a:ea typeface="+mn-ea"/>
+                <a:cs typeface="+mn-cs"/>
+              </a:defRPr>
+            </a:lvl4pPr>
+            <a:lvl5pPr marL="1828800" indent="0" algn="ctr" defTabSz="914400">
+              <a:spcBef>
+                <a:spcPts val="0"/>
+              </a:spcBef>
+              <a:buFont typeface="Arial"/>
+              <a:buNone/>
+              <a:defRPr sz="2000">
+                <a:solidFill>
+                  <a:schemeClr val="tx1">
+                    <a:tint val="75000"/>
+                  </a:schemeClr>
+                </a:solidFill>
+                <a:latin typeface="+mn-lt"/>
+                <a:ea typeface="+mn-ea"/>
+                <a:cs typeface="+mn-cs"/>
+              </a:defRPr>
+            </a:lvl5pPr>
+            <a:lvl6pPr marL="2286000" indent="0" algn="ctr" defTabSz="914400">
+              <a:spcBef>
+                <a:spcPts val="0"/>
+              </a:spcBef>
+              <a:buFont typeface="Arial"/>
+              <a:buNone/>
+              <a:defRPr sz="2000">
+                <a:solidFill>
+                  <a:schemeClr val="tx1">
+                    <a:tint val="75000"/>
+                  </a:schemeClr>
+                </a:solidFill>
+                <a:latin typeface="+mn-lt"/>
+                <a:ea typeface="+mn-ea"/>
+                <a:cs typeface="+mn-cs"/>
+              </a:defRPr>
+            </a:lvl6pPr>
+            <a:lvl7pPr marL="2743200" indent="0" algn="ctr" defTabSz="914400">
+              <a:spcBef>
+                <a:spcPts val="0"/>
+              </a:spcBef>
+              <a:buFont typeface="Arial"/>
+              <a:buNone/>
+              <a:defRPr sz="2000">
+                <a:solidFill>
+                  <a:schemeClr val="tx1">
+                    <a:tint val="75000"/>
+                  </a:schemeClr>
+                </a:solidFill>
+                <a:latin typeface="+mn-lt"/>
+                <a:ea typeface="+mn-ea"/>
+                <a:cs typeface="+mn-cs"/>
+              </a:defRPr>
+            </a:lvl7pPr>
+            <a:lvl8pPr marL="3200400" indent="0" algn="ctr" defTabSz="914400">
+              <a:spcBef>
+                <a:spcPts val="0"/>
+              </a:spcBef>
+              <a:buFont typeface="Arial"/>
+              <a:buNone/>
+              <a:defRPr sz="2000">
+                <a:solidFill>
+                  <a:schemeClr val="tx1">
+                    <a:tint val="75000"/>
+                  </a:schemeClr>
+                </a:solidFill>
+                <a:latin typeface="+mn-lt"/>
+                <a:ea typeface="+mn-ea"/>
+                <a:cs typeface="+mn-cs"/>
+              </a:defRPr>
+            </a:lvl8pPr>
+            <a:lvl9pPr marL="3657600" indent="0" algn="ctr" defTabSz="914400">
+              <a:spcBef>
+                <a:spcPts val="0"/>
+              </a:spcBef>
+              <a:buFont typeface="Arial"/>
+              <a:buNone/>
+              <a:defRPr sz="2000">
+                <a:solidFill>
+                  <a:schemeClr val="tx1">
+                    <a:tint val="75000"/>
+                  </a:schemeClr>
+                </a:solidFill>
+                <a:latin typeface="+mn-lt"/>
+                <a:ea typeface="+mn-ea"/>
+                <a:cs typeface="+mn-cs"/>
+              </a:defRPr>
+            </a:lvl9pPr>
+          </a:lstStyle>
+          <a:p>
+            <a:pPr algn="l">
+              <a:defRPr/>
+            </a:pPr>
+            <a:r>
+              <a:rPr lang="en-US">
+                <a:solidFill>
+                  <a:schemeClr val="tx1"/>
+                </a:solidFill>
+                <a:latin typeface="Times New Roman"/>
+                <a:cs typeface="Times New Roman"/>
+              </a:rPr>
+              <a:t>-Реги</a:t>
+            </a:r>
+            <a:r>
+              <a:rPr lang="en-US">
+                <a:solidFill>
+                  <a:schemeClr val="tx1"/>
+                </a:solidFill>
+                <a:latin typeface="Times New Roman"/>
+                <a:cs typeface="Times New Roman"/>
+              </a:rPr>
+              <a:t>страция</a:t>
+            </a:r>
+            <a:endParaRPr lang="en-US">
+              <a:solidFill>
+                <a:schemeClr val="tx1"/>
+              </a:solidFill>
+              <a:latin typeface="Times New Roman"/>
+              <a:cs typeface="Times New Roman"/>
+            </a:endParaRPr>
+          </a:p>
+          <a:p>
+            <a:pPr algn="l">
+              <a:defRPr/>
+            </a:pPr>
+            <a:r>
+              <a:rPr lang="en-US">
+                <a:solidFill>
+                  <a:schemeClr val="tx1"/>
+                </a:solidFill>
+                <a:latin typeface="Times New Roman"/>
+                <a:cs typeface="Times New Roman"/>
+              </a:rPr>
+              <a:t>-Вход</a:t>
+            </a:r>
+            <a:endParaRPr lang="en-US">
+              <a:solidFill>
+                <a:schemeClr val="tx1"/>
+              </a:solidFill>
+              <a:latin typeface="Times New Roman"/>
+              <a:cs typeface="Times New Roman"/>
+            </a:endParaRPr>
+          </a:p>
+          <a:p>
+            <a:pPr algn="l">
+              <a:defRPr/>
+            </a:pPr>
+            <a:r>
+              <a:rPr lang="en-US">
+                <a:solidFill>
+                  <a:schemeClr val="tx1"/>
+                </a:solidFill>
+                <a:latin typeface="Times New Roman"/>
+                <a:cs typeface="Times New Roman"/>
+              </a:rPr>
+              <a:t>-Заполнение данных аккаунта</a:t>
+            </a:r>
+            <a:endParaRPr lang="en-US">
+              <a:solidFill>
+                <a:schemeClr val="tx1"/>
+              </a:solidFill>
+              <a:latin typeface="Times New Roman"/>
+              <a:cs typeface="Times New Roman"/>
+            </a:endParaRPr>
+          </a:p>
+          <a:p>
+            <a:pPr algn="l">
+              <a:defRPr/>
+            </a:pPr>
+            <a:r>
+              <a:rPr lang="en-US">
+                <a:solidFill>
+                  <a:schemeClr val="tx1"/>
+                </a:solidFill>
+                <a:latin typeface="Times New Roman"/>
+                <a:cs typeface="Times New Roman"/>
+              </a:rPr>
+              <a:t>(по желанию)</a:t>
+            </a:r>
+            <a:endParaRPr lang="en-US">
+              <a:solidFill>
+                <a:schemeClr val="tx1"/>
+              </a:solidFill>
+              <a:latin typeface="Times New Roman"/>
+              <a:cs typeface="Times New Roman"/>
+            </a:endParaRPr>
+          </a:p>
+          <a:p>
+            <a:pPr algn="l">
+              <a:defRPr/>
+            </a:pPr>
+            <a:r>
+              <a:rPr lang="en-US">
+                <a:solidFill>
+                  <a:schemeClr val="tx1"/>
+                </a:solidFill>
+                <a:latin typeface="Times New Roman"/>
+                <a:cs typeface="Times New Roman"/>
+              </a:rPr>
+              <a:t>-Выбор товара</a:t>
+            </a:r>
+            <a:endParaRPr lang="en-US">
+              <a:solidFill>
+                <a:schemeClr val="tx1"/>
+              </a:solidFill>
+              <a:latin typeface="Times New Roman"/>
+              <a:cs typeface="Times New Roman"/>
+            </a:endParaRPr>
+          </a:p>
+          <a:p>
+            <a:pPr algn="l">
+              <a:defRPr/>
+            </a:pPr>
+            <a:r>
+              <a:rPr lang="en-US">
+                <a:solidFill>
+                  <a:schemeClr val="tx1"/>
+                </a:solidFill>
+                <a:latin typeface="Times New Roman"/>
+                <a:cs typeface="Times New Roman"/>
+              </a:rPr>
+              <a:t>-Пополнение баланса</a:t>
+            </a:r>
+            <a:endParaRPr lang="en-US">
+              <a:solidFill>
+                <a:schemeClr val="tx1"/>
+              </a:solidFill>
+              <a:latin typeface="Times New Roman"/>
+              <a:cs typeface="Times New Roman"/>
+            </a:endParaRPr>
+          </a:p>
+          <a:p>
+            <a:pPr algn="l">
+              <a:defRPr/>
+            </a:pPr>
+            <a:r>
+              <a:rPr lang="en-US">
+                <a:solidFill>
+                  <a:schemeClr val="tx1"/>
+                </a:solidFill>
+                <a:latin typeface="Times New Roman"/>
+                <a:cs typeface="Times New Roman"/>
+              </a:rPr>
+              <a:t>-Покупка</a:t>
+            </a:r>
+            <a:endParaRPr lang="en-US">
+              <a:solidFill>
+                <a:schemeClr val="tx1"/>
+              </a:solidFill>
+              <a:latin typeface="Times New Roman"/>
+              <a:cs typeface="Times New Roman"/>
+            </a:endParaRPr>
+          </a:p>
+        </p:txBody>
+      </p:sp>
     </p:spTree>
   </p:cSld>
   <p:clrMapOvr>
@@ -3443,9 +5217,9 @@
 </file>
 
 <file path=ppt/theme/theme1.xml><?xml version="1.0" encoding="utf-8"?>
-<a:theme xmlns:a="http://schemas.openxmlformats.org/drawingml/2006/main" xmlns:r="http://schemas.openxmlformats.org/officeDocument/2006/relationships" xmlns:p="http://schemas.openxmlformats.org/presentationml/2006/main" name="Office Theme">
+<a:theme xmlns:a="http://schemas.openxmlformats.org/drawingml/2006/main" xmlns:r="http://schemas.openxmlformats.org/officeDocument/2006/relationships" xmlns:p="http://schemas.openxmlformats.org/presentationml/2006/main" name="Turtle">
   <a:themeElements>
-    <a:clrScheme name="New Office">
+    <a:clrScheme name="Office">
       <a:dk1>
         <a:sysClr val="windowText" lastClr="000000"/>
       </a:dk1>
@@ -3453,37 +5227,37 @@
         <a:sysClr val="window" lastClr="FFFFFF"/>
       </a:lt1>
       <a:dk2>
-        <a:srgbClr val="44546A"/>
+        <a:srgbClr val="1F497D"/>
       </a:dk2>
       <a:lt2>
-        <a:srgbClr val="E7E6E6"/>
+        <a:srgbClr val="EEECE1"/>
       </a:lt2>
       <a:accent1>
-        <a:srgbClr val="5B9BD5"/>
+        <a:srgbClr val="4F81BD"/>
       </a:accent1>
       <a:accent2>
-        <a:srgbClr val="ED7D31"/>
+        <a:srgbClr val="C0504D"/>
       </a:accent2>
       <a:accent3>
-        <a:srgbClr val="A5A5A5"/>
+        <a:srgbClr val="9BBB59"/>
       </a:accent3>
       <a:accent4>
-        <a:srgbClr val="FFC000"/>
+        <a:srgbClr val="8064A2"/>
       </a:accent4>
       <a:accent5>
-        <a:srgbClr val="4472C4"/>
+        <a:srgbClr val="4BACC6"/>
       </a:accent5>
       <a:accent6>
-        <a:srgbClr val="70AD47"/>
+        <a:srgbClr val="F79646"/>
       </a:accent6>
       <a:hlink>
-        <a:srgbClr val="0563C1"/>
+        <a:srgbClr val="0000FF"/>
       </a:hlink>
       <a:folHlink>
-        <a:srgbClr val="954F72"/>
+        <a:srgbClr val="800080"/>
       </a:folHlink>
     </a:clrScheme>
-    <a:fontScheme name="Office Theme">
+    <a:fontScheme name="Классическая 2">
       <a:majorFont>
         <a:latin typeface="Arial"/>
         <a:ea typeface="Arial"/>
@@ -3495,7 +5269,7 @@
         <a:cs typeface="Arial"/>
       </a:minorFont>
     </a:fontScheme>
-    <a:fmtScheme name="Office Theme">
+    <a:fmtScheme name="Стандартная">
       <a:fillStyleLst>
         <a:solidFill>
           <a:schemeClr val="phClr"/>
@@ -3504,76 +5278,70 @@
           <a:gsLst>
             <a:gs pos="0">
               <a:schemeClr val="phClr">
-                <a:lumMod val="110000"/>
-                <a:satMod val="105000"/>
-                <a:tint val="67000"/>
+                <a:tint val="50000"/>
+                <a:satMod val="300000"/>
               </a:schemeClr>
             </a:gs>
-            <a:gs pos="50000">
+            <a:gs pos="35000">
               <a:schemeClr val="phClr">
-                <a:lumMod val="105000"/>
-                <a:satMod val="103000"/>
-                <a:tint val="73000"/>
+                <a:tint val="37000"/>
+                <a:satMod val="300000"/>
               </a:schemeClr>
             </a:gs>
             <a:gs pos="100000">
               <a:schemeClr val="phClr">
-                <a:lumMod val="105000"/>
-                <a:satMod val="109000"/>
-                <a:tint val="81000"/>
+                <a:tint val="15000"/>
+                <a:satMod val="350000"/>
               </a:schemeClr>
             </a:gs>
           </a:gsLst>
-          <a:lin ang="5400000" scaled="0"/>
+          <a:lin ang="16200000" scaled="1"/>
         </a:gradFill>
         <a:gradFill>
           <a:gsLst>
             <a:gs pos="0">
               <a:schemeClr val="phClr">
-                <a:satMod val="103000"/>
-                <a:lumMod val="102000"/>
-                <a:tint val="94000"/>
+                <a:shade val="51000"/>
+                <a:satMod val="130000"/>
               </a:schemeClr>
             </a:gs>
-            <a:gs pos="50000">
+            <a:gs pos="80000">
               <a:schemeClr val="phClr">
-                <a:satMod val="110000"/>
-                <a:lumMod val="100000"/>
-                <a:shade val="100000"/>
+                <a:shade val="93000"/>
+                <a:satMod val="130000"/>
               </a:schemeClr>
             </a:gs>
             <a:gs pos="100000">
               <a:schemeClr val="phClr">
-                <a:lumMod val="99000"/>
-                <a:satMod val="120000"/>
-                <a:shade val="78000"/>
+                <a:shade val="94000"/>
+                <a:satMod val="135000"/>
               </a:schemeClr>
             </a:gs>
           </a:gsLst>
-          <a:lin ang="5400000" scaled="0"/>
+          <a:lin ang="16200000" scaled="0"/>
         </a:gradFill>
       </a:fillStyleLst>
       <a:lnStyleLst>
-        <a:ln w="6350" cap="flat" cmpd="sng" algn="ctr">
+        <a:ln w="9525" cap="flat" cmpd="sng" algn="ctr">
+          <a:solidFill>
+            <a:schemeClr val="phClr">
+              <a:shade val="95000"/>
+              <a:satMod val="105000"/>
+            </a:schemeClr>
+          </a:solidFill>
+          <a:prstDash val="solid"/>
+        </a:ln>
+        <a:ln w="25400" cap="flat" cmpd="sng" algn="ctr">
           <a:solidFill>
             <a:schemeClr val="phClr"/>
           </a:solidFill>
           <a:prstDash val="solid"/>
-          <a:miter lim="800000"/>
         </a:ln>
-        <a:ln w="12700" cap="flat" cmpd="sng" algn="ctr">
+        <a:ln w="38100" cap="flat" cmpd="sng" algn="ctr">
           <a:solidFill>
             <a:schemeClr val="phClr"/>
           </a:solidFill>
           <a:prstDash val="solid"/>
-          <a:miter lim="800000"/>
-        </a:ln>
-        <a:ln w="19050" cap="flat" cmpd="sng" algn="ctr">
-          <a:solidFill>
-            <a:schemeClr val="phClr"/>
-          </a:solidFill>
-          <a:prstDash val="solid"/>
-          <a:miter lim="800000"/>
         </a:ln>
       </a:lnStyleLst>
       <a:effectStyleLst>
@@ -3609,38 +5377,46 @@
         <a:solidFill>
           <a:schemeClr val="phClr"/>
         </a:solidFill>
-        <a:solidFill>
-          <a:schemeClr val="phClr">
-            <a:tint val="95000"/>
-            <a:satMod val="170000"/>
-          </a:schemeClr>
-        </a:solidFill>
         <a:gradFill>
           <a:gsLst>
             <a:gs pos="0">
               <a:schemeClr val="phClr">
-                <a:tint val="93000"/>
-                <a:satMod val="150000"/>
-                <a:shade val="98000"/>
-                <a:lumMod val="102000"/>
+                <a:tint val="40000"/>
+                <a:satMod val="350000"/>
               </a:schemeClr>
             </a:gs>
-            <a:gs pos="50000">
+            <a:gs pos="40000">
               <a:schemeClr val="phClr">
-                <a:tint val="98000"/>
-                <a:satMod val="130000"/>
-                <a:shade val="90000"/>
-                <a:lumMod val="103000"/>
+                <a:tint val="45000"/>
+                <a:shade val="99000"/>
+                <a:satMod val="350000"/>
               </a:schemeClr>
             </a:gs>
             <a:gs pos="100000">
               <a:schemeClr val="phClr">
-                <a:shade val="63000"/>
-                <a:satMod val="120000"/>
+                <a:shade val="20000"/>
+                <a:satMod val="255000"/>
               </a:schemeClr>
             </a:gs>
           </a:gsLst>
-          <a:lin ang="5400000" scaled="0"/>
+          <a:path path="circle"/>
+        </a:gradFill>
+        <a:gradFill>
+          <a:gsLst>
+            <a:gs pos="0">
+              <a:schemeClr val="phClr">
+                <a:tint val="80000"/>
+                <a:satMod val="300000"/>
+              </a:schemeClr>
+            </a:gs>
+            <a:gs pos="100000">
+              <a:schemeClr val="phClr">
+                <a:shade val="30000"/>
+                <a:satMod val="200000"/>
+              </a:schemeClr>
+            </a:gs>
+          </a:gsLst>
+          <a:path path="circle"/>
         </a:gradFill>
       </a:bgFillStyleLst>
     </a:fmtScheme>
